--- a/src/site/rbs/static/quality-and-agile-processes.pptx
+++ b/src/site/rbs/static/quality-and-agile-processes.pptx
@@ -5,29 +5,35 @@
     <p:sldMasterId id="2147483648" r:id="rId1"/>
   </p:sldMasterIdLst>
   <p:notesMasterIdLst>
-    <p:notesMasterId r:id="rId19"/>
+    <p:notesMasterId r:id="rId25"/>
   </p:notesMasterIdLst>
   <p:handoutMasterIdLst>
-    <p:handoutMasterId r:id="rId20"/>
+    <p:handoutMasterId r:id="rId26"/>
   </p:handoutMasterIdLst>
   <p:sldIdLst>
     <p:sldId id="256" r:id="rId2"/>
-    <p:sldId id="264" r:id="rId3"/>
-    <p:sldId id="284" r:id="rId4"/>
-    <p:sldId id="286" r:id="rId5"/>
-    <p:sldId id="285" r:id="rId6"/>
-    <p:sldId id="278" r:id="rId7"/>
-    <p:sldId id="280" r:id="rId8"/>
-    <p:sldId id="279" r:id="rId9"/>
-    <p:sldId id="272" r:id="rId10"/>
-    <p:sldId id="266" r:id="rId11"/>
-    <p:sldId id="267" r:id="rId12"/>
-    <p:sldId id="268" r:id="rId13"/>
-    <p:sldId id="269" r:id="rId14"/>
-    <p:sldId id="270" r:id="rId15"/>
-    <p:sldId id="273" r:id="rId16"/>
-    <p:sldId id="282" r:id="rId17"/>
-    <p:sldId id="281" r:id="rId18"/>
+    <p:sldId id="287" r:id="rId3"/>
+    <p:sldId id="289" r:id="rId4"/>
+    <p:sldId id="290" r:id="rId5"/>
+    <p:sldId id="291" r:id="rId6"/>
+    <p:sldId id="293" r:id="rId7"/>
+    <p:sldId id="295" r:id="rId8"/>
+    <p:sldId id="264" r:id="rId9"/>
+    <p:sldId id="284" r:id="rId10"/>
+    <p:sldId id="286" r:id="rId11"/>
+    <p:sldId id="285" r:id="rId12"/>
+    <p:sldId id="278" r:id="rId13"/>
+    <p:sldId id="280" r:id="rId14"/>
+    <p:sldId id="279" r:id="rId15"/>
+    <p:sldId id="272" r:id="rId16"/>
+    <p:sldId id="266" r:id="rId17"/>
+    <p:sldId id="267" r:id="rId18"/>
+    <p:sldId id="268" r:id="rId19"/>
+    <p:sldId id="269" r:id="rId20"/>
+    <p:sldId id="270" r:id="rId21"/>
+    <p:sldId id="273" r:id="rId22"/>
+    <p:sldId id="282" r:id="rId23"/>
+    <p:sldId id="281" r:id="rId24"/>
   </p:sldIdLst>
   <p:sldSz cx="9144000" cy="6858000" type="screen4x3"/>
   <p:notesSz cx="6797675" cy="9926638"/>
@@ -157,6 +163,41 @@
     </a:lvl9pPr>
   </p:defaultTextStyle>
   <p:extLst>
+    <p:ext uri="{521415D9-36F7-43E2-AB2F-B90AF26B5E84}">
+      <p14:sectionLst xmlns:p14="http://schemas.microsoft.com/office/powerpoint/2010/main">
+        <p14:section name="Introduction" id="{941E2751-A589-427F-8442-F21F265F2829}">
+          <p14:sldIdLst>
+            <p14:sldId id="256"/>
+            <p14:sldId id="287"/>
+            <p14:sldId id="289"/>
+            <p14:sldId id="290"/>
+            <p14:sldId id="291"/>
+            <p14:sldId id="293"/>
+            <p14:sldId id="295"/>
+          </p14:sldIdLst>
+        </p14:section>
+        <p14:section name="CMM" id="{DF238B1E-5E71-4521-8355-5D44037C7F76}">
+          <p14:sldIdLst>
+            <p14:sldId id="264"/>
+            <p14:sldId id="284"/>
+            <p14:sldId id="286"/>
+            <p14:sldId id="285"/>
+            <p14:sldId id="278"/>
+            <p14:sldId id="280"/>
+            <p14:sldId id="279"/>
+            <p14:sldId id="272"/>
+            <p14:sldId id="266"/>
+            <p14:sldId id="267"/>
+            <p14:sldId id="268"/>
+            <p14:sldId id="269"/>
+            <p14:sldId id="270"/>
+            <p14:sldId id="273"/>
+            <p14:sldId id="282"/>
+            <p14:sldId id="281"/>
+          </p14:sldIdLst>
+        </p14:section>
+      </p14:sectionLst>
+    </p:ext>
     <p:ext uri="{EFAFB233-063F-42B5-8137-9DF3F51BA10A}">
       <p15:sldGuideLst xmlns:p15="http://schemas.microsoft.com/office/powerpoint/2012/main">
         <p15:guide id="1" orient="horz" pos="2160">
@@ -655,7 +696,7 @@
         <p:nvSpPr>
           <p:cNvPr id="2053" name="Rectangle 4"/>
           <p:cNvSpPr>
-            <a:spLocks noGrp="1" noChangeArrowheads="1"/>
+            <a:spLocks noGrp="1" noRot="1" noChangeAspect="1" noChangeArrowheads="1"/>
           </p:cNvSpPr>
           <p:nvPr>
             <p:ph type="sldImg"/>
@@ -1769,7 +1810,7 @@
         <p:nvSpPr>
           <p:cNvPr id="5124" name="Rectangle 1"/>
           <p:cNvSpPr>
-            <a:spLocks noChangeArrowheads="1" noTextEdit="1"/>
+            <a:spLocks noGrp="1" noRot="1" noChangeAspect="1" noChangeArrowheads="1" noTextEdit="1"/>
           </p:cNvSpPr>
           <p:nvPr>
             <p:ph type="sldImg"/>
@@ -1790,7 +1831,7 @@
         <p:nvSpPr>
           <p:cNvPr id="5125" name="Text Box 2"/>
           <p:cNvSpPr>
-            <a:spLocks noChangeArrowheads="1"/>
+            <a:spLocks noGrp="1" noChangeArrowheads="1"/>
           </p:cNvSpPr>
           <p:nvPr>
             <p:ph type="body" idx="1"/>
@@ -6984,6 +7025,1652 @@
       </p:grpSpPr>
       <p:sp>
         <p:nvSpPr>
+          <p:cNvPr id="8194" name="Rectangle 2"/>
+          <p:cNvSpPr>
+            <a:spLocks noGrp="1" noChangeArrowheads="1"/>
+          </p:cNvSpPr>
+          <p:nvPr>
+            <p:ph type="title"/>
+          </p:nvPr>
+        </p:nvSpPr>
+        <p:spPr>
+          <a:xfrm>
+            <a:off x="228600" y="685800"/>
+            <a:ext cx="7102475" cy="474663"/>
+          </a:xfrm>
+        </p:spPr>
+        <p:txBody>
+          <a:bodyPr/>
+          <a:lstStyle/>
+          <a:p>
+            <a:r>
+              <a:rPr lang="en-US" altLang="lv-LV" smtClean="0"/>
+              <a:t>Capability Levels</a:t>
+            </a:r>
+          </a:p>
+        </p:txBody>
+      </p:sp>
+      <p:sp>
+        <p:nvSpPr>
+          <p:cNvPr id="8195" name="Rectangle 3"/>
+          <p:cNvSpPr>
+            <a:spLocks noGrp="1" noChangeArrowheads="1"/>
+          </p:cNvSpPr>
+          <p:nvPr>
+            <p:ph type="body" idx="1"/>
+          </p:nvPr>
+        </p:nvSpPr>
+        <p:spPr>
+          <a:xfrm>
+            <a:off x="446088" y="1428750"/>
+            <a:ext cx="8145462" cy="4960938"/>
+          </a:xfrm>
+        </p:spPr>
+        <p:txBody>
+          <a:bodyPr/>
+          <a:lstStyle/>
+          <a:p>
+            <a:pPr>
+              <a:buFont typeface="Arial" panose="020B0604020202020204" pitchFamily="34" charset="0"/>
+              <a:buChar char="•"/>
+            </a:pPr>
+            <a:r>
+              <a:rPr lang="en-US" altLang="lv-LV" sz="2400" smtClean="0">
+                <a:solidFill>
+                  <a:schemeClr val="tx1"/>
+                </a:solidFill>
+              </a:rPr>
+              <a:t>A capability level is a well-defined evolutionary plateau describing the organization’s capability in a process area.</a:t>
+            </a:r>
+          </a:p>
+          <a:p>
+            <a:pPr>
+              <a:buFont typeface="Arial" panose="020B0604020202020204" pitchFamily="34" charset="0"/>
+              <a:buChar char="•"/>
+            </a:pPr>
+            <a:r>
+              <a:rPr lang="en-US" altLang="lv-LV" sz="2400" smtClean="0">
+                <a:solidFill>
+                  <a:schemeClr val="tx1"/>
+                </a:solidFill>
+              </a:rPr>
+              <a:t>There are 5 capability levels.</a:t>
+            </a:r>
+          </a:p>
+          <a:p>
+            <a:pPr>
+              <a:buFont typeface="Arial" panose="020B0604020202020204" pitchFamily="34" charset="0"/>
+              <a:buChar char="•"/>
+            </a:pPr>
+            <a:r>
+              <a:rPr lang="en-US" altLang="lv-LV" sz="2400" smtClean="0">
+                <a:solidFill>
+                  <a:schemeClr val="tx1"/>
+                </a:solidFill>
+              </a:rPr>
+              <a:t>For capability levels 1-5, there is an associated generic goal.</a:t>
+            </a:r>
+          </a:p>
+          <a:p>
+            <a:pPr>
+              <a:buFont typeface="Arial" panose="020B0604020202020204" pitchFamily="34" charset="0"/>
+              <a:buChar char="•"/>
+            </a:pPr>
+            <a:r>
+              <a:rPr lang="en-US" altLang="lv-LV" sz="2400" smtClean="0">
+                <a:solidFill>
+                  <a:schemeClr val="tx1"/>
+                </a:solidFill>
+              </a:rPr>
+              <a:t>Each level is a layer in the foundation for continuous process improvement.</a:t>
+            </a:r>
+          </a:p>
+          <a:p>
+            <a:pPr>
+              <a:buFont typeface="Arial" panose="020B0604020202020204" pitchFamily="34" charset="0"/>
+              <a:buChar char="•"/>
+            </a:pPr>
+            <a:r>
+              <a:rPr lang="en-US" altLang="lv-LV" sz="2400" smtClean="0">
+                <a:solidFill>
+                  <a:schemeClr val="tx1"/>
+                </a:solidFill>
+              </a:rPr>
+              <a:t>Thus, capability levels are cumulative, i.e., a higher capability level includes the attributes of the lower levels.</a:t>
+            </a:r>
+          </a:p>
+        </p:txBody>
+      </p:sp>
+      <p:sp>
+        <p:nvSpPr>
+          <p:cNvPr id="5" name="TextShape 1"/>
+          <p:cNvSpPr txBox="1"/>
+          <p:nvPr/>
+        </p:nvSpPr>
+        <p:spPr>
+          <a:xfrm>
+            <a:off x="457200" y="274638"/>
+            <a:ext cx="8229600" cy="1143000"/>
+          </a:xfrm>
+          <a:prstGeom prst="rect">
+            <a:avLst/>
+          </a:prstGeom>
+          <a:noFill/>
+          <a:ln w="9360">
+            <a:noFill/>
+          </a:ln>
+        </p:spPr>
+        <p:txBody>
+          <a:bodyPr anchor="ctr"/>
+          <a:lstStyle/>
+          <a:p>
+            <a:pPr>
+              <a:defRPr/>
+            </a:pPr>
+            <a:r>
+              <a:rPr lang="en-US" sz="4000" b="1" spc="-1" dirty="0">
+                <a:solidFill>
+                  <a:srgbClr val="C00000"/>
+                </a:solidFill>
+                <a:uFill>
+                  <a:solidFill>
+                    <a:srgbClr val="FFFFFF"/>
+                  </a:solidFill>
+                </a:uFill>
+                <a:latin typeface="Calibri"/>
+              </a:rPr>
+              <a:t>CMM Levels</a:t>
+            </a:r>
+            <a:endParaRPr lang="en-US" spc="-1" dirty="0">
+              <a:solidFill>
+                <a:srgbClr val="000000"/>
+              </a:solidFill>
+              <a:uFill>
+                <a:solidFill>
+                  <a:srgbClr val="FFFFFF"/>
+                </a:solidFill>
+              </a:uFill>
+              <a:latin typeface="Calibri"/>
+            </a:endParaRPr>
+          </a:p>
+        </p:txBody>
+      </p:sp>
+    </p:spTree>
+  </p:cSld>
+  <p:clrMapOvr>
+    <a:masterClrMapping/>
+  </p:clrMapOvr>
+  <p:transition/>
+  <p:timing>
+    <p:tnLst>
+      <p:par>
+        <p:cTn id="1" dur="indefinite" restart="never" nodeType="tmRoot"/>
+      </p:par>
+    </p:tnLst>
+  </p:timing>
+</p:sld>
+</file>
+
+<file path=ppt/slides/slide11.xml><?xml version="1.0" encoding="utf-8"?>
+<p:sld xmlns:a="http://schemas.openxmlformats.org/drawingml/2006/main" xmlns:r="http://schemas.openxmlformats.org/officeDocument/2006/relationships" xmlns:p="http://schemas.openxmlformats.org/presentationml/2006/main">
+  <p:cSld>
+    <p:spTree>
+      <p:nvGrpSpPr>
+        <p:cNvPr id="1" name=""/>
+        <p:cNvGrpSpPr/>
+        <p:nvPr/>
+      </p:nvGrpSpPr>
+      <p:grpSpPr>
+        <a:xfrm>
+          <a:off x="0" y="0"/>
+          <a:ext cx="0" cy="0"/>
+          <a:chOff x="0" y="0"/>
+          <a:chExt cx="0" cy="0"/>
+        </a:xfrm>
+      </p:grpSpPr>
+      <p:sp>
+        <p:nvSpPr>
+          <p:cNvPr id="10242" name="Rectangle 2"/>
+          <p:cNvSpPr>
+            <a:spLocks noGrp="1" noChangeArrowheads="1"/>
+          </p:cNvSpPr>
+          <p:nvPr>
+            <p:ph type="title"/>
+          </p:nvPr>
+        </p:nvSpPr>
+        <p:spPr>
+          <a:xfrm>
+            <a:off x="152400" y="304800"/>
+            <a:ext cx="8610600" cy="854075"/>
+          </a:xfrm>
+        </p:spPr>
+        <p:txBody>
+          <a:bodyPr/>
+          <a:lstStyle/>
+          <a:p>
+            <a:r>
+              <a:rPr lang="en-US" altLang="lv-LV" smtClean="0"/>
+              <a:t>Maturity Levels Cannot Be Skipped </a:t>
+            </a:r>
+            <a:r>
+              <a:rPr lang="en-US" altLang="lv-LV" sz="2800" smtClean="0"/>
+              <a:t>It Is Organizationally Impossible</a:t>
+            </a:r>
+          </a:p>
+        </p:txBody>
+      </p:sp>
+      <p:sp>
+        <p:nvSpPr>
+          <p:cNvPr id="10243" name="Rectangle 3"/>
+          <p:cNvSpPr>
+            <a:spLocks noGrp="1" noChangeArrowheads="1"/>
+          </p:cNvSpPr>
+          <p:nvPr>
+            <p:ph type="body" idx="1"/>
+          </p:nvPr>
+        </p:nvSpPr>
+        <p:spPr>
+          <a:xfrm>
+            <a:off x="446088" y="1428750"/>
+            <a:ext cx="8145462" cy="4960938"/>
+          </a:xfrm>
+        </p:spPr>
+        <p:txBody>
+          <a:bodyPr/>
+          <a:lstStyle/>
+          <a:p>
+            <a:pPr>
+              <a:buFont typeface="Arial" panose="020B0604020202020204" pitchFamily="34" charset="0"/>
+              <a:buChar char="•"/>
+            </a:pPr>
+            <a:r>
+              <a:rPr lang="en-US" altLang="lv-LV" sz="2400" smtClean="0">
+                <a:solidFill>
+                  <a:schemeClr val="tx1"/>
+                </a:solidFill>
+              </a:rPr>
+              <a:t>Each maturity level provides a necessary foundation for effective implementation of processes at the next level. </a:t>
+            </a:r>
+          </a:p>
+          <a:p>
+            <a:pPr marL="800100" lvl="1" indent="-342900">
+              <a:buFont typeface="Arial" panose="020B0604020202020204" pitchFamily="34" charset="0"/>
+              <a:buChar char="•"/>
+            </a:pPr>
+            <a:r>
+              <a:rPr lang="en-US" altLang="lv-LV" sz="2400" smtClean="0">
+                <a:solidFill>
+                  <a:schemeClr val="tx1"/>
+                </a:solidFill>
+              </a:rPr>
+              <a:t>Higher level processes have less chance of success without the discipline provided by lower levels.</a:t>
+            </a:r>
+          </a:p>
+          <a:p>
+            <a:pPr marL="800100" lvl="1" indent="-342900">
+              <a:buFont typeface="Arial" panose="020B0604020202020204" pitchFamily="34" charset="0"/>
+              <a:buChar char="•"/>
+            </a:pPr>
+            <a:r>
+              <a:rPr lang="en-US" altLang="lv-LV" sz="2400" smtClean="0">
+                <a:solidFill>
+                  <a:schemeClr val="tx1"/>
+                </a:solidFill>
+              </a:rPr>
+              <a:t>The effect of innovation can be obscured in a </a:t>
+            </a:r>
+            <a:br>
+              <a:rPr lang="en-US" altLang="lv-LV" sz="2400" smtClean="0">
+                <a:solidFill>
+                  <a:schemeClr val="tx1"/>
+                </a:solidFill>
+              </a:rPr>
+            </a:br>
+            <a:r>
+              <a:rPr lang="en-US" altLang="lv-LV" sz="2400" smtClean="0">
+                <a:solidFill>
+                  <a:schemeClr val="tx1"/>
+                </a:solidFill>
+              </a:rPr>
+              <a:t>noisy process.</a:t>
+            </a:r>
+          </a:p>
+          <a:p>
+            <a:pPr>
+              <a:buFont typeface="Arial" panose="020B0604020202020204" pitchFamily="34" charset="0"/>
+              <a:buChar char="•"/>
+            </a:pPr>
+            <a:r>
+              <a:rPr lang="en-US" altLang="lv-LV" sz="2400" smtClean="0">
+                <a:solidFill>
+                  <a:schemeClr val="tx1"/>
+                </a:solidFill>
+              </a:rPr>
+              <a:t>Higher maturity level processes may be performed  by organizations at lower maturity levels, with the risk of not being consistently applied in a crisis.</a:t>
+            </a:r>
+          </a:p>
+        </p:txBody>
+      </p:sp>
+      <p:sp>
+        <p:nvSpPr>
+          <p:cNvPr id="5" name="TextShape 1"/>
+          <p:cNvSpPr txBox="1"/>
+          <p:nvPr/>
+        </p:nvSpPr>
+        <p:spPr>
+          <a:xfrm>
+            <a:off x="457200" y="274638"/>
+            <a:ext cx="8229600" cy="1143000"/>
+          </a:xfrm>
+          <a:prstGeom prst="rect">
+            <a:avLst/>
+          </a:prstGeom>
+          <a:noFill/>
+          <a:ln w="9360">
+            <a:noFill/>
+          </a:ln>
+        </p:spPr>
+        <p:txBody>
+          <a:bodyPr anchor="ctr"/>
+          <a:lstStyle/>
+          <a:p>
+            <a:pPr>
+              <a:defRPr/>
+            </a:pPr>
+            <a:r>
+              <a:rPr lang="en-US" sz="4000" b="1" spc="-1" dirty="0">
+                <a:solidFill>
+                  <a:srgbClr val="C00000"/>
+                </a:solidFill>
+                <a:uFill>
+                  <a:solidFill>
+                    <a:srgbClr val="FFFFFF"/>
+                  </a:solidFill>
+                </a:uFill>
+                <a:latin typeface="Calibri"/>
+              </a:rPr>
+              <a:t>Maturity Levels Cannot be Skipped</a:t>
+            </a:r>
+            <a:endParaRPr lang="en-US" spc="-1" dirty="0">
+              <a:solidFill>
+                <a:srgbClr val="000000"/>
+              </a:solidFill>
+              <a:uFill>
+                <a:solidFill>
+                  <a:srgbClr val="FFFFFF"/>
+                </a:solidFill>
+              </a:uFill>
+              <a:latin typeface="Calibri"/>
+            </a:endParaRPr>
+          </a:p>
+        </p:txBody>
+      </p:sp>
+    </p:spTree>
+  </p:cSld>
+  <p:clrMapOvr>
+    <a:masterClrMapping/>
+  </p:clrMapOvr>
+  <p:timing>
+    <p:tnLst>
+      <p:par>
+        <p:cTn id="1" dur="indefinite" restart="never" nodeType="tmRoot"/>
+      </p:par>
+    </p:tnLst>
+  </p:timing>
+</p:sld>
+</file>
+
+<file path=ppt/slides/slide12.xml><?xml version="1.0" encoding="utf-8"?>
+<p:sld xmlns:a="http://schemas.openxmlformats.org/drawingml/2006/main" xmlns:r="http://schemas.openxmlformats.org/officeDocument/2006/relationships" xmlns:p="http://schemas.openxmlformats.org/presentationml/2006/main">
+  <p:cSld>
+    <p:spTree>
+      <p:nvGrpSpPr>
+        <p:cNvPr id="1" name=""/>
+        <p:cNvGrpSpPr/>
+        <p:nvPr/>
+      </p:nvGrpSpPr>
+      <p:grpSpPr>
+        <a:xfrm>
+          <a:off x="0" y="0"/>
+          <a:ext cx="0" cy="0"/>
+          <a:chOff x="0" y="0"/>
+          <a:chExt cx="0" cy="0"/>
+        </a:xfrm>
+      </p:grpSpPr>
+      <p:sp>
+        <p:nvSpPr>
+          <p:cNvPr id="86" name="TextShape 1"/>
+          <p:cNvSpPr txBox="1"/>
+          <p:nvPr/>
+        </p:nvSpPr>
+        <p:spPr>
+          <a:xfrm>
+            <a:off x="457200" y="274638"/>
+            <a:ext cx="8229600" cy="1143000"/>
+          </a:xfrm>
+          <a:prstGeom prst="rect">
+            <a:avLst/>
+          </a:prstGeom>
+          <a:noFill/>
+          <a:ln w="9360">
+            <a:noFill/>
+          </a:ln>
+        </p:spPr>
+        <p:txBody>
+          <a:bodyPr anchor="ctr"/>
+          <a:lstStyle/>
+          <a:p>
+            <a:pPr>
+              <a:defRPr/>
+            </a:pPr>
+            <a:r>
+              <a:rPr lang="lv-LV" sz="4000" b="1" spc="-1" dirty="0">
+                <a:solidFill>
+                  <a:srgbClr val="C00000"/>
+                </a:solidFill>
+                <a:uFill>
+                  <a:solidFill>
+                    <a:srgbClr val="FFFFFF"/>
+                  </a:solidFill>
+                </a:uFill>
+                <a:latin typeface="Calibri"/>
+              </a:rPr>
+              <a:t>Soccer Teams: Amateur/Professional</a:t>
+            </a:r>
+            <a:endParaRPr lang="en-US" spc="-1" dirty="0">
+              <a:solidFill>
+                <a:srgbClr val="000000"/>
+              </a:solidFill>
+              <a:uFill>
+                <a:solidFill>
+                  <a:srgbClr val="FFFFFF"/>
+                </a:solidFill>
+              </a:uFill>
+              <a:latin typeface="Calibri"/>
+            </a:endParaRPr>
+          </a:p>
+        </p:txBody>
+      </p:sp>
+      <p:sp>
+        <p:nvSpPr>
+          <p:cNvPr id="12291" name="Content Placeholder 3"/>
+          <p:cNvSpPr>
+            <a:spLocks noGrp="1"/>
+          </p:cNvSpPr>
+          <p:nvPr>
+            <p:ph sz="half" idx="2"/>
+          </p:nvPr>
+        </p:nvSpPr>
+        <p:spPr>
+          <a:xfrm>
+            <a:off x="457200" y="1535113"/>
+            <a:ext cx="4040188" cy="4591050"/>
+          </a:xfrm>
+        </p:spPr>
+        <p:txBody>
+          <a:bodyPr/>
+          <a:lstStyle/>
+          <a:p>
+            <a:pPr marL="0" indent="0">
+              <a:buFont typeface="Arial" panose="020B0604020202020204" pitchFamily="34" charset="0"/>
+              <a:buChar char="•"/>
+            </a:pPr>
+            <a:r>
+              <a:rPr lang="en-US" altLang="lv-LV" smtClean="0">
+                <a:solidFill>
+                  <a:schemeClr val="tx1"/>
+                </a:solidFill>
+              </a:rPr>
+              <a:t>Everyone runs around at random. </a:t>
+            </a:r>
+          </a:p>
+          <a:p>
+            <a:pPr marL="0" indent="0">
+              <a:buFont typeface="Arial" panose="020B0604020202020204" pitchFamily="34" charset="0"/>
+              <a:buChar char="•"/>
+            </a:pPr>
+            <a:r>
+              <a:rPr lang="en-US" altLang="lv-LV" smtClean="0">
+                <a:solidFill>
+                  <a:schemeClr val="tx1"/>
+                </a:solidFill>
+              </a:rPr>
+              <a:t>They might do the right thing, or they might not.</a:t>
+            </a:r>
+          </a:p>
+          <a:p>
+            <a:pPr marL="0" indent="0">
+              <a:buFont typeface="Arial" panose="020B0604020202020204" pitchFamily="34" charset="0"/>
+              <a:buChar char="•"/>
+            </a:pPr>
+            <a:r>
+              <a:rPr lang="en-US" altLang="lv-LV" smtClean="0">
+                <a:solidFill>
+                  <a:schemeClr val="tx1"/>
+                </a:solidFill>
+              </a:rPr>
+              <a:t>The next time the ball is hit in the same place, they may do something different.</a:t>
+            </a:r>
+          </a:p>
+          <a:p>
+            <a:pPr marL="0" indent="0">
+              <a:buFont typeface="Arial" panose="020B0604020202020204" pitchFamily="34" charset="0"/>
+              <a:buChar char="•"/>
+            </a:pPr>
+            <a:endParaRPr lang="lv-LV" altLang="lv-LV" smtClean="0">
+              <a:solidFill>
+                <a:schemeClr val="tx1"/>
+              </a:solidFill>
+            </a:endParaRPr>
+          </a:p>
+        </p:txBody>
+      </p:sp>
+      <p:sp>
+        <p:nvSpPr>
+          <p:cNvPr id="12292" name="Content Placeholder 5"/>
+          <p:cNvSpPr>
+            <a:spLocks noGrp="1"/>
+          </p:cNvSpPr>
+          <p:nvPr>
+            <p:ph sz="quarter" idx="4"/>
+          </p:nvPr>
+        </p:nvSpPr>
+        <p:spPr>
+          <a:xfrm>
+            <a:off x="4645025" y="1535113"/>
+            <a:ext cx="4041775" cy="4591050"/>
+          </a:xfrm>
+        </p:spPr>
+        <p:txBody>
+          <a:bodyPr/>
+          <a:lstStyle/>
+          <a:p>
+            <a:pPr marL="0" indent="0">
+              <a:buFont typeface="Arial" panose="020B0604020202020204" pitchFamily="34" charset="0"/>
+              <a:buChar char="•"/>
+            </a:pPr>
+            <a:r>
+              <a:rPr lang="en-US" altLang="lv-LV" smtClean="0">
+                <a:solidFill>
+                  <a:schemeClr val="tx1"/>
+                </a:solidFill>
+              </a:rPr>
+              <a:t>Everyone moves in a coordinated fashion, based on practicing their tactics many times.</a:t>
+            </a:r>
+          </a:p>
+          <a:p>
+            <a:pPr marL="0" indent="0">
+              <a:buFont typeface="Arial" panose="020B0604020202020204" pitchFamily="34" charset="0"/>
+              <a:buChar char="•"/>
+            </a:pPr>
+            <a:r>
+              <a:rPr lang="en-US" altLang="lv-LV" smtClean="0">
+                <a:solidFill>
+                  <a:schemeClr val="tx1"/>
+                </a:solidFill>
+              </a:rPr>
+              <a:t>Sometimes they fail to make the right play, but they almost always try to do the right thing.</a:t>
+            </a:r>
+          </a:p>
+        </p:txBody>
+      </p:sp>
+    </p:spTree>
+  </p:cSld>
+  <p:clrMapOvr>
+    <a:masterClrMapping/>
+  </p:clrMapOvr>
+  <p:timing>
+    <p:tnLst>
+      <p:par>
+        <p:cTn id="1" dur="indefinite" restart="never" nodeType="tmRoot">
+          <p:childTnLst>
+            <p:seq>
+              <p:cTn id="2" nodeType="mainSeq"/>
+              <p:prevCondLst>
+                <p:cond evt="onPrev" delay="0">
+                  <p:tgtEl>
+                    <p:sldTgt/>
+                  </p:tgtEl>
+                </p:cond>
+              </p:prevCondLst>
+              <p:nextCondLst>
+                <p:cond evt="onNext" delay="0">
+                  <p:tgtEl>
+                    <p:sldTgt/>
+                  </p:tgtEl>
+                </p:cond>
+              </p:nextCondLst>
+            </p:seq>
+          </p:childTnLst>
+        </p:cTn>
+      </p:par>
+    </p:tnLst>
+  </p:timing>
+</p:sld>
+</file>
+
+<file path=ppt/slides/slide13.xml><?xml version="1.0" encoding="utf-8"?>
+<p:sld xmlns:a="http://schemas.openxmlformats.org/drawingml/2006/main" xmlns:r="http://schemas.openxmlformats.org/officeDocument/2006/relationships" xmlns:p="http://schemas.openxmlformats.org/presentationml/2006/main">
+  <p:cSld>
+    <p:spTree>
+      <p:nvGrpSpPr>
+        <p:cNvPr id="1" name=""/>
+        <p:cNvGrpSpPr/>
+        <p:nvPr/>
+      </p:nvGrpSpPr>
+      <p:grpSpPr>
+        <a:xfrm>
+          <a:off x="0" y="0"/>
+          <a:ext cx="0" cy="0"/>
+          <a:chOff x="0" y="0"/>
+          <a:chExt cx="0" cy="0"/>
+        </a:xfrm>
+      </p:grpSpPr>
+      <p:sp>
+        <p:nvSpPr>
+          <p:cNvPr id="86" name="TextShape 1"/>
+          <p:cNvSpPr txBox="1"/>
+          <p:nvPr/>
+        </p:nvSpPr>
+        <p:spPr>
+          <a:xfrm>
+            <a:off x="457200" y="274638"/>
+            <a:ext cx="8229600" cy="1143000"/>
+          </a:xfrm>
+          <a:prstGeom prst="rect">
+            <a:avLst/>
+          </a:prstGeom>
+          <a:noFill/>
+          <a:ln w="9360">
+            <a:noFill/>
+          </a:ln>
+        </p:spPr>
+        <p:txBody>
+          <a:bodyPr anchor="ctr"/>
+          <a:lstStyle/>
+          <a:p>
+            <a:pPr>
+              <a:defRPr/>
+            </a:pPr>
+            <a:r>
+              <a:rPr lang="lv-LV" sz="4000" b="1" spc="-1" dirty="0">
+                <a:solidFill>
+                  <a:srgbClr val="C00000"/>
+                </a:solidFill>
+                <a:uFill>
+                  <a:solidFill>
+                    <a:srgbClr val="FFFFFF"/>
+                  </a:solidFill>
+                </a:uFill>
+                <a:latin typeface="Calibri"/>
+              </a:rPr>
+              <a:t>Soccer Teams: Amateur/Professional</a:t>
+            </a:r>
+            <a:endParaRPr lang="en-US" spc="-1" dirty="0">
+              <a:solidFill>
+                <a:srgbClr val="000000"/>
+              </a:solidFill>
+              <a:uFill>
+                <a:solidFill>
+                  <a:srgbClr val="FFFFFF"/>
+                </a:solidFill>
+              </a:uFill>
+              <a:latin typeface="Calibri"/>
+            </a:endParaRPr>
+          </a:p>
+        </p:txBody>
+      </p:sp>
+      <p:sp>
+        <p:nvSpPr>
+          <p:cNvPr id="13315" name="Content Placeholder 3"/>
+          <p:cNvSpPr>
+            <a:spLocks noGrp="1"/>
+          </p:cNvSpPr>
+          <p:nvPr>
+            <p:ph sz="half" idx="2"/>
+          </p:nvPr>
+        </p:nvSpPr>
+        <p:spPr>
+          <a:xfrm>
+            <a:off x="457200" y="1535113"/>
+            <a:ext cx="4040188" cy="4591050"/>
+          </a:xfrm>
+        </p:spPr>
+        <p:txBody>
+          <a:bodyPr/>
+          <a:lstStyle/>
+          <a:p>
+            <a:pPr marL="514350" indent="-514350">
+              <a:lnSpc>
+                <a:spcPct val="90000"/>
+              </a:lnSpc>
+              <a:buFont typeface="Arial" panose="020B0604020202020204" pitchFamily="34" charset="0"/>
+              <a:buChar char="•"/>
+            </a:pPr>
+            <a:r>
+              <a:rPr lang="lv-LV" altLang="lv-LV" b="1" smtClean="0">
+                <a:solidFill>
+                  <a:schemeClr val="tx1"/>
+                </a:solidFill>
+              </a:rPr>
+              <a:t>When </a:t>
+            </a:r>
+            <a:r>
+              <a:rPr lang="en-US" altLang="lv-LV" b="1" smtClean="0">
+                <a:solidFill>
+                  <a:schemeClr val="tx1"/>
+                </a:solidFill>
+              </a:rPr>
+              <a:t>the team loses a </a:t>
+            </a:r>
+            <a:r>
+              <a:rPr lang="lv-LV" altLang="lv-LV" b="1" smtClean="0">
+                <a:solidFill>
+                  <a:schemeClr val="tx1"/>
+                </a:solidFill>
+              </a:rPr>
+              <a:t>top</a:t>
+            </a:r>
+            <a:r>
+              <a:rPr lang="en-US" altLang="lv-LV" b="1" smtClean="0">
+                <a:solidFill>
+                  <a:schemeClr val="tx1"/>
+                </a:solidFill>
+              </a:rPr>
+              <a:t> player</a:t>
+            </a:r>
+            <a:r>
+              <a:rPr lang="lv-LV" altLang="lv-LV" b="1" smtClean="0">
+                <a:solidFill>
+                  <a:schemeClr val="tx1"/>
+                </a:solidFill>
+              </a:rPr>
+              <a:t>? </a:t>
+            </a:r>
+            <a:r>
+              <a:rPr lang="lv-LV" altLang="lv-LV" smtClean="0">
+                <a:solidFill>
+                  <a:schemeClr val="tx1"/>
+                </a:solidFill>
+              </a:rPr>
+              <a:t/>
+            </a:r>
+            <a:br>
+              <a:rPr lang="lv-LV" altLang="lv-LV" smtClean="0">
+                <a:solidFill>
+                  <a:schemeClr val="tx1"/>
+                </a:solidFill>
+              </a:rPr>
+            </a:br>
+            <a:r>
+              <a:rPr lang="lv-LV" altLang="lv-LV" smtClean="0">
+                <a:solidFill>
+                  <a:schemeClr val="tx1"/>
+                </a:solidFill>
+              </a:rPr>
+              <a:t>An amateur </a:t>
+            </a:r>
+            <a:r>
+              <a:rPr lang="en-US" altLang="lv-LV" smtClean="0">
+                <a:solidFill>
+                  <a:schemeClr val="tx1"/>
+                </a:solidFill>
+              </a:rPr>
+              <a:t>team </a:t>
+            </a:r>
+            <a:r>
+              <a:rPr lang="lv-LV" altLang="lv-LV" smtClean="0">
+                <a:solidFill>
+                  <a:schemeClr val="tx1"/>
+                </a:solidFill>
+              </a:rPr>
+              <a:t>is likely to get</a:t>
+            </a:r>
+            <a:r>
+              <a:rPr lang="en-US" altLang="lv-LV" smtClean="0">
+                <a:solidFill>
+                  <a:schemeClr val="tx1"/>
+                </a:solidFill>
+              </a:rPr>
+              <a:t> much worse. </a:t>
+            </a:r>
+          </a:p>
+          <a:p>
+            <a:pPr marL="514350" indent="-514350">
+              <a:lnSpc>
+                <a:spcPct val="90000"/>
+              </a:lnSpc>
+              <a:buFont typeface="Arial" panose="020B0604020202020204" pitchFamily="34" charset="0"/>
+              <a:buChar char="•"/>
+            </a:pPr>
+            <a:r>
+              <a:rPr lang="en-US" altLang="lv-LV" b="1" smtClean="0">
+                <a:solidFill>
+                  <a:schemeClr val="tx1"/>
+                </a:solidFill>
+              </a:rPr>
+              <a:t>Self-improvement after a bad play…</a:t>
+            </a:r>
+            <a:r>
+              <a:rPr lang="en-US" altLang="lv-LV" smtClean="0">
+                <a:solidFill>
+                  <a:schemeClr val="tx1"/>
+                </a:solidFill>
+              </a:rPr>
+              <a:t/>
+            </a:r>
+            <a:br>
+              <a:rPr lang="en-US" altLang="lv-LV" smtClean="0">
+                <a:solidFill>
+                  <a:schemeClr val="tx1"/>
+                </a:solidFill>
+              </a:rPr>
+            </a:br>
+            <a:r>
+              <a:rPr lang="en-US" altLang="lv-LV" smtClean="0">
+                <a:solidFill>
+                  <a:schemeClr val="tx1"/>
+                </a:solidFill>
+              </a:rPr>
+              <a:t>Amateur players don’t know what went wrong, or they blame each other.</a:t>
+            </a:r>
+          </a:p>
+        </p:txBody>
+      </p:sp>
+      <p:sp>
+        <p:nvSpPr>
+          <p:cNvPr id="6" name="Content Placeholder 5"/>
+          <p:cNvSpPr>
+            <a:spLocks noGrp="1"/>
+          </p:cNvSpPr>
+          <p:nvPr>
+            <p:ph sz="quarter" idx="4"/>
+          </p:nvPr>
+        </p:nvSpPr>
+        <p:spPr>
+          <a:xfrm>
+            <a:off x="4645025" y="1535113"/>
+            <a:ext cx="4041775" cy="4591050"/>
+          </a:xfrm>
+        </p:spPr>
+        <p:txBody>
+          <a:bodyPr/>
+          <a:lstStyle/>
+          <a:p>
+            <a:pPr marL="457200" indent="-457200">
+              <a:lnSpc>
+                <a:spcPct val="90000"/>
+              </a:lnSpc>
+              <a:buFont typeface="Arial" panose="020B0604020202020204" pitchFamily="34" charset="0"/>
+              <a:buChar char="•"/>
+              <a:defRPr/>
+            </a:pPr>
+            <a:r>
+              <a:rPr lang="lv-LV" b="1" dirty="0">
+                <a:solidFill>
+                  <a:schemeClr val="tx1"/>
+                </a:solidFill>
+              </a:rPr>
+              <a:t>When </a:t>
+            </a:r>
+            <a:r>
+              <a:rPr lang="en-US" b="1" dirty="0">
+                <a:solidFill>
+                  <a:schemeClr val="tx1"/>
+                </a:solidFill>
+              </a:rPr>
+              <a:t>the team loses a </a:t>
+            </a:r>
+            <a:r>
+              <a:rPr lang="lv-LV" b="1" dirty="0">
+                <a:solidFill>
+                  <a:schemeClr val="tx1"/>
+                </a:solidFill>
+              </a:rPr>
+              <a:t>top</a:t>
+            </a:r>
+            <a:r>
+              <a:rPr lang="en-US" b="1" dirty="0">
+                <a:solidFill>
+                  <a:schemeClr val="tx1"/>
+                </a:solidFill>
+              </a:rPr>
+              <a:t> </a:t>
+            </a:r>
+            <a:r>
+              <a:rPr lang="en-US" b="1" dirty="0" smtClean="0">
+                <a:solidFill>
+                  <a:schemeClr val="tx1"/>
+                </a:solidFill>
+              </a:rPr>
+              <a:t>player?</a:t>
+            </a:r>
+            <a:r>
+              <a:rPr lang="lv-LV" b="1" dirty="0" smtClean="0">
+                <a:solidFill>
+                  <a:schemeClr val="tx1"/>
+                </a:solidFill>
+              </a:rPr>
+              <a:t> </a:t>
+            </a:r>
+            <a:r>
+              <a:rPr lang="lv-LV" dirty="0" smtClean="0">
+                <a:solidFill>
+                  <a:schemeClr val="tx1"/>
+                </a:solidFill>
+              </a:rPr>
+              <a:t/>
+            </a:r>
+            <a:br>
+              <a:rPr lang="lv-LV" dirty="0" smtClean="0">
+                <a:solidFill>
+                  <a:schemeClr val="tx1"/>
+                </a:solidFill>
+              </a:rPr>
+            </a:br>
+            <a:r>
+              <a:rPr lang="lv-LV" dirty="0" smtClean="0">
+                <a:solidFill>
+                  <a:schemeClr val="tx1"/>
+                </a:solidFill>
+              </a:rPr>
+              <a:t>A </a:t>
+            </a:r>
+            <a:r>
+              <a:rPr lang="en-US" dirty="0" smtClean="0">
+                <a:solidFill>
+                  <a:schemeClr val="tx1"/>
+                </a:solidFill>
+              </a:rPr>
+              <a:t>Professional </a:t>
+            </a:r>
+            <a:r>
+              <a:rPr lang="en-US" dirty="0">
+                <a:solidFill>
+                  <a:schemeClr val="tx1"/>
+                </a:solidFill>
+              </a:rPr>
+              <a:t>team often has someone waiting to fill in.  </a:t>
+            </a:r>
+            <a:endParaRPr lang="en-US" dirty="0" smtClean="0">
+              <a:solidFill>
+                <a:schemeClr val="tx1"/>
+              </a:solidFill>
+            </a:endParaRPr>
+          </a:p>
+          <a:p>
+            <a:pPr marL="514350" indent="-514350">
+              <a:lnSpc>
+                <a:spcPct val="90000"/>
+              </a:lnSpc>
+              <a:buFont typeface="Arial" panose="020B0604020202020204" pitchFamily="34" charset="0"/>
+              <a:buChar char="•"/>
+              <a:defRPr/>
+            </a:pPr>
+            <a:r>
+              <a:rPr lang="en-US" b="1" dirty="0">
+                <a:solidFill>
+                  <a:schemeClr val="tx1"/>
+                </a:solidFill>
+              </a:rPr>
+              <a:t>Self-improvement after a bad </a:t>
+            </a:r>
+            <a:r>
+              <a:rPr lang="en-US" b="1" dirty="0" smtClean="0">
+                <a:solidFill>
+                  <a:schemeClr val="tx1"/>
+                </a:solidFill>
+              </a:rPr>
+              <a:t>play…</a:t>
+            </a:r>
+            <a:r>
+              <a:rPr lang="en-US" dirty="0" smtClean="0">
+                <a:solidFill>
+                  <a:schemeClr val="tx1"/>
+                </a:solidFill>
+              </a:rPr>
+              <a:t/>
+            </a:r>
+            <a:br>
+              <a:rPr lang="en-US" dirty="0" smtClean="0">
+                <a:solidFill>
+                  <a:schemeClr val="tx1"/>
+                </a:solidFill>
+              </a:rPr>
+            </a:br>
+            <a:r>
+              <a:rPr lang="en-US" dirty="0" smtClean="0">
+                <a:solidFill>
+                  <a:schemeClr val="tx1"/>
+                </a:solidFill>
+              </a:rPr>
+              <a:t>Professional </a:t>
+            </a:r>
+            <a:r>
+              <a:rPr lang="en-US" dirty="0">
+                <a:solidFill>
+                  <a:schemeClr val="tx1"/>
+                </a:solidFill>
+              </a:rPr>
+              <a:t>teams discuss their play and look for ways to improve. </a:t>
+            </a:r>
+          </a:p>
+          <a:p>
+            <a:pPr marL="457200" indent="-457200">
+              <a:lnSpc>
+                <a:spcPct val="90000"/>
+              </a:lnSpc>
+              <a:buFont typeface="Arial" panose="020B0604020202020204" pitchFamily="34" charset="0"/>
+              <a:buChar char="•"/>
+              <a:defRPr/>
+            </a:pPr>
+            <a:endParaRPr lang="en-US" dirty="0">
+              <a:solidFill>
+                <a:schemeClr val="tx1"/>
+              </a:solidFill>
+            </a:endParaRPr>
+          </a:p>
+        </p:txBody>
+      </p:sp>
+    </p:spTree>
+  </p:cSld>
+  <p:clrMapOvr>
+    <a:masterClrMapping/>
+  </p:clrMapOvr>
+  <p:timing>
+    <p:tnLst>
+      <p:par>
+        <p:cTn id="1" dur="indefinite" restart="never" nodeType="tmRoot">
+          <p:childTnLst>
+            <p:seq>
+              <p:cTn id="2" nodeType="mainSeq"/>
+              <p:prevCondLst>
+                <p:cond evt="onPrev" delay="0">
+                  <p:tgtEl>
+                    <p:sldTgt/>
+                  </p:tgtEl>
+                </p:cond>
+              </p:prevCondLst>
+              <p:nextCondLst>
+                <p:cond evt="onNext" delay="0">
+                  <p:tgtEl>
+                    <p:sldTgt/>
+                  </p:tgtEl>
+                </p:cond>
+              </p:nextCondLst>
+            </p:seq>
+          </p:childTnLst>
+        </p:cTn>
+      </p:par>
+    </p:tnLst>
+  </p:timing>
+</p:sld>
+</file>
+
+<file path=ppt/slides/slide14.xml><?xml version="1.0" encoding="utf-8"?>
+<p:sld xmlns:a="http://schemas.openxmlformats.org/drawingml/2006/main" xmlns:r="http://schemas.openxmlformats.org/officeDocument/2006/relationships" xmlns:p="http://schemas.openxmlformats.org/presentationml/2006/main">
+  <p:cSld>
+    <p:spTree>
+      <p:nvGrpSpPr>
+        <p:cNvPr id="1" name=""/>
+        <p:cNvGrpSpPr/>
+        <p:nvPr/>
+      </p:nvGrpSpPr>
+      <p:grpSpPr>
+        <a:xfrm>
+          <a:off x="0" y="0"/>
+          <a:ext cx="0" cy="0"/>
+          <a:chOff x="0" y="0"/>
+          <a:chExt cx="0" cy="0"/>
+        </a:xfrm>
+      </p:grpSpPr>
+      <p:sp>
+        <p:nvSpPr>
+          <p:cNvPr id="86" name="TextShape 1"/>
+          <p:cNvSpPr txBox="1"/>
+          <p:nvPr/>
+        </p:nvSpPr>
+        <p:spPr>
+          <a:xfrm>
+            <a:off x="457200" y="274638"/>
+            <a:ext cx="8229600" cy="850900"/>
+          </a:xfrm>
+          <a:prstGeom prst="rect">
+            <a:avLst/>
+          </a:prstGeom>
+          <a:noFill/>
+          <a:ln w="9360">
+            <a:noFill/>
+          </a:ln>
+        </p:spPr>
+        <p:txBody>
+          <a:bodyPr anchor="ctr"/>
+          <a:lstStyle/>
+          <a:p>
+            <a:pPr>
+              <a:defRPr/>
+            </a:pPr>
+            <a:r>
+              <a:rPr lang="lv-LV" sz="4000" b="1" spc="-1" dirty="0">
+                <a:solidFill>
+                  <a:srgbClr val="C00000"/>
+                </a:solidFill>
+                <a:uFill>
+                  <a:solidFill>
+                    <a:srgbClr val="FFFFFF"/>
+                  </a:solidFill>
+                </a:uFill>
+                <a:latin typeface="Calibri"/>
+              </a:rPr>
+              <a:t>Maturity is not about age</a:t>
+            </a:r>
+            <a:endParaRPr lang="en-US" spc="-1" dirty="0">
+              <a:solidFill>
+                <a:srgbClr val="000000"/>
+              </a:solidFill>
+              <a:uFill>
+                <a:solidFill>
+                  <a:srgbClr val="FFFFFF"/>
+                </a:solidFill>
+              </a:uFill>
+              <a:latin typeface="Calibri"/>
+            </a:endParaRPr>
+          </a:p>
+        </p:txBody>
+      </p:sp>
+      <p:sp>
+        <p:nvSpPr>
+          <p:cNvPr id="8" name="TextShape 2"/>
+          <p:cNvSpPr txBox="1"/>
+          <p:nvPr/>
+        </p:nvSpPr>
+        <p:spPr>
+          <a:xfrm>
+            <a:off x="457200" y="1524000"/>
+            <a:ext cx="8229600" cy="4495800"/>
+          </a:xfrm>
+          <a:prstGeom prst="rect">
+            <a:avLst/>
+          </a:prstGeom>
+          <a:noFill/>
+          <a:ln w="9360">
+            <a:noFill/>
+          </a:ln>
+        </p:spPr>
+        <p:txBody>
+          <a:bodyPr/>
+          <a:lstStyle/>
+          <a:p>
+            <a:pPr>
+              <a:spcBef>
+                <a:spcPts val="638"/>
+              </a:spcBef>
+              <a:buClr>
+                <a:srgbClr val="002060"/>
+              </a:buClr>
+            </a:pPr>
+            <a:r>
+              <a:rPr lang="en-US" altLang="lv-LV" sz="2800">
+                <a:solidFill>
+                  <a:srgbClr val="002060"/>
+                </a:solidFill>
+              </a:rPr>
+              <a:t>Mature  (</a:t>
+            </a:r>
+            <a:r>
+              <a:rPr lang="lv-LV" altLang="lv-LV" sz="2800">
+                <a:solidFill>
+                  <a:srgbClr val="0070C0"/>
+                </a:solidFill>
+              </a:rPr>
+              <a:t>Pieaudzis</a:t>
+            </a:r>
+            <a:r>
+              <a:rPr lang="en-US" altLang="lv-LV" sz="2800">
+                <a:solidFill>
+                  <a:srgbClr val="0070C0"/>
+                </a:solidFill>
+              </a:rPr>
+              <a:t>/</a:t>
+            </a:r>
+            <a:r>
+              <a:rPr lang="lv-LV" altLang="lv-LV" sz="2800">
+                <a:solidFill>
+                  <a:srgbClr val="0070C0"/>
+                </a:solidFill>
+              </a:rPr>
+              <a:t>Izkopts,</a:t>
+            </a:r>
+            <a:r>
+              <a:rPr lang="en-US" altLang="lv-LV" sz="2800">
+                <a:solidFill>
+                  <a:srgbClr val="0070C0"/>
+                </a:solidFill>
+              </a:rPr>
+              <a:t> </a:t>
+            </a:r>
+            <a:r>
+              <a:rPr lang="ru-RU" altLang="lv-LV" sz="2800">
+                <a:solidFill>
+                  <a:srgbClr val="0070C0"/>
+                </a:solidFill>
+              </a:rPr>
+              <a:t>Зрелый</a:t>
+            </a:r>
+            <a:r>
+              <a:rPr lang="en-US" altLang="lv-LV" sz="2800">
+                <a:solidFill>
+                  <a:srgbClr val="0070C0"/>
+                </a:solidFill>
+              </a:rPr>
+              <a:t>/</a:t>
+            </a:r>
+            <a:r>
+              <a:rPr lang="ru-RU" altLang="lv-LV" sz="2800">
+                <a:solidFill>
+                  <a:srgbClr val="0070C0"/>
+                </a:solidFill>
+              </a:rPr>
+              <a:t>Матёрый</a:t>
+            </a:r>
+            <a:r>
+              <a:rPr lang="lv-LV" altLang="lv-LV" sz="2800">
+                <a:solidFill>
+                  <a:srgbClr val="002060"/>
+                </a:solidFill>
+              </a:rPr>
+              <a:t>)</a:t>
+            </a:r>
+            <a:endParaRPr lang="en-US" altLang="lv-LV" sz="2800">
+              <a:solidFill>
+                <a:srgbClr val="002060"/>
+              </a:solidFill>
+            </a:endParaRPr>
+          </a:p>
+          <a:p>
+            <a:pPr>
+              <a:spcBef>
+                <a:spcPts val="638"/>
+              </a:spcBef>
+              <a:buClr>
+                <a:srgbClr val="002060"/>
+              </a:buClr>
+            </a:pPr>
+            <a:r>
+              <a:rPr lang="en-US" altLang="lv-LV" sz="2800">
+                <a:solidFill>
+                  <a:srgbClr val="002060"/>
+                </a:solidFill>
+              </a:rPr>
+              <a:t>A professional football team is more "mature" than an amateur team. </a:t>
+            </a:r>
+            <a:br>
+              <a:rPr lang="en-US" altLang="lv-LV" sz="2800">
+                <a:solidFill>
+                  <a:srgbClr val="002060"/>
+                </a:solidFill>
+              </a:rPr>
+            </a:br>
+            <a:r>
+              <a:rPr lang="en-US" altLang="lv-LV" sz="2800">
+                <a:solidFill>
+                  <a:srgbClr val="002060"/>
+                </a:solidFill>
+              </a:rPr>
+              <a:t>Professionals have self-perpetuating quality:</a:t>
+            </a:r>
+          </a:p>
+          <a:p>
+            <a:pPr>
+              <a:spcBef>
+                <a:spcPts val="638"/>
+              </a:spcBef>
+              <a:buClr>
+                <a:srgbClr val="002060"/>
+              </a:buClr>
+              <a:buFont typeface="Arial" panose="020B0604020202020204" pitchFamily="34" charset="0"/>
+              <a:buChar char="•"/>
+            </a:pPr>
+            <a:r>
+              <a:rPr lang="en-US" altLang="lv-LV" sz="2800">
+                <a:solidFill>
+                  <a:srgbClr val="002060"/>
+                </a:solidFill>
+              </a:rPr>
+              <a:t>They consistently play good football</a:t>
+            </a:r>
+          </a:p>
+          <a:p>
+            <a:pPr>
+              <a:spcBef>
+                <a:spcPts val="638"/>
+              </a:spcBef>
+              <a:buClr>
+                <a:srgbClr val="002060"/>
+              </a:buClr>
+              <a:buFont typeface="Arial" panose="020B0604020202020204" pitchFamily="34" charset="0"/>
+              <a:buChar char="•"/>
+            </a:pPr>
+            <a:r>
+              <a:rPr lang="en-US" altLang="lv-LV" sz="2800">
+                <a:solidFill>
+                  <a:srgbClr val="002060"/>
+                </a:solidFill>
+              </a:rPr>
+              <a:t>They develop new players like themselves</a:t>
+            </a:r>
+          </a:p>
+          <a:p>
+            <a:pPr>
+              <a:spcBef>
+                <a:spcPts val="638"/>
+              </a:spcBef>
+              <a:buClr>
+                <a:srgbClr val="002060"/>
+              </a:buClr>
+              <a:buFont typeface="Arial" panose="020B0604020202020204" pitchFamily="34" charset="0"/>
+              <a:buChar char="•"/>
+            </a:pPr>
+            <a:r>
+              <a:rPr lang="en-US" altLang="lv-LV" sz="2800">
+                <a:solidFill>
+                  <a:srgbClr val="002060"/>
+                </a:solidFill>
+              </a:rPr>
+              <a:t>They find ways to play even better</a:t>
+            </a:r>
+          </a:p>
+          <a:p>
+            <a:pPr>
+              <a:spcBef>
+                <a:spcPts val="638"/>
+              </a:spcBef>
+              <a:buClr>
+                <a:srgbClr val="002060"/>
+              </a:buClr>
+            </a:pPr>
+            <a:endParaRPr lang="en-US" altLang="lv-LV" sz="2800">
+              <a:solidFill>
+                <a:srgbClr val="002060"/>
+              </a:solidFill>
+            </a:endParaRPr>
+          </a:p>
+          <a:p>
+            <a:pPr>
+              <a:spcBef>
+                <a:spcPts val="638"/>
+              </a:spcBef>
+              <a:buClr>
+                <a:srgbClr val="002060"/>
+              </a:buClr>
+            </a:pPr>
+            <a:endParaRPr lang="en-US" altLang="lv-LV" sz="2800">
+              <a:solidFill>
+                <a:srgbClr val="002060"/>
+              </a:solidFill>
+            </a:endParaRPr>
+          </a:p>
+        </p:txBody>
+      </p:sp>
+    </p:spTree>
+  </p:cSld>
+  <p:clrMapOvr>
+    <a:masterClrMapping/>
+  </p:clrMapOvr>
+  <p:timing>
+    <p:tnLst>
+      <p:par>
+        <p:cTn id="1" dur="indefinite" restart="never" nodeType="tmRoot">
+          <p:childTnLst>
+            <p:seq>
+              <p:cTn id="2" nodeType="mainSeq"/>
+              <p:prevCondLst>
+                <p:cond evt="onPrev" delay="0">
+                  <p:tgtEl>
+                    <p:sldTgt/>
+                  </p:tgtEl>
+                </p:cond>
+              </p:prevCondLst>
+              <p:nextCondLst>
+                <p:cond evt="onNext" delay="0">
+                  <p:tgtEl>
+                    <p:sldTgt/>
+                  </p:tgtEl>
+                </p:cond>
+              </p:nextCondLst>
+            </p:seq>
+          </p:childTnLst>
+        </p:cTn>
+      </p:par>
+    </p:tnLst>
+  </p:timing>
+</p:sld>
+</file>
+
+<file path=ppt/slides/slide15.xml><?xml version="1.0" encoding="utf-8"?>
+<p:sld xmlns:a="http://schemas.openxmlformats.org/drawingml/2006/main" xmlns:r="http://schemas.openxmlformats.org/officeDocument/2006/relationships" xmlns:p="http://schemas.openxmlformats.org/presentationml/2006/main">
+  <p:cSld>
+    <p:spTree>
+      <p:nvGrpSpPr>
+        <p:cNvPr id="1" name=""/>
+        <p:cNvGrpSpPr/>
+        <p:nvPr/>
+      </p:nvGrpSpPr>
+      <p:grpSpPr>
+        <a:xfrm>
+          <a:off x="0" y="0"/>
+          <a:ext cx="0" cy="0"/>
+          <a:chOff x="0" y="0"/>
+          <a:chExt cx="0" cy="0"/>
+        </a:xfrm>
+      </p:grpSpPr>
+      <p:sp>
+        <p:nvSpPr>
+          <p:cNvPr id="86" name="TextShape 1"/>
+          <p:cNvSpPr txBox="1"/>
+          <p:nvPr/>
+        </p:nvSpPr>
+        <p:spPr>
+          <a:xfrm>
+            <a:off x="457200" y="274638"/>
+            <a:ext cx="8229600" cy="1143000"/>
+          </a:xfrm>
+          <a:prstGeom prst="rect">
+            <a:avLst/>
+          </a:prstGeom>
+          <a:noFill/>
+          <a:ln w="9360">
+            <a:noFill/>
+          </a:ln>
+        </p:spPr>
+        <p:txBody>
+          <a:bodyPr anchor="ctr"/>
+          <a:lstStyle/>
+          <a:p>
+            <a:pPr>
+              <a:defRPr/>
+            </a:pPr>
+            <a:r>
+              <a:rPr lang="lv-LV" sz="4000" b="1" spc="-1" dirty="0">
+                <a:solidFill>
+                  <a:srgbClr val="C00000"/>
+                </a:solidFill>
+                <a:uFill>
+                  <a:solidFill>
+                    <a:srgbClr val="FFFFFF"/>
+                  </a:solidFill>
+                </a:uFill>
+                <a:latin typeface="Calibri"/>
+              </a:rPr>
+              <a:t>CMM Levels (Carnegie Mellon Univ.)</a:t>
+            </a:r>
+            <a:endParaRPr lang="en-US" spc="-1" dirty="0">
+              <a:solidFill>
+                <a:srgbClr val="000000"/>
+              </a:solidFill>
+              <a:uFill>
+                <a:solidFill>
+                  <a:srgbClr val="FFFFFF"/>
+                </a:solidFill>
+              </a:uFill>
+              <a:latin typeface="Calibri"/>
+            </a:endParaRPr>
+          </a:p>
+        </p:txBody>
+      </p:sp>
+      <p:sp>
+        <p:nvSpPr>
+          <p:cNvPr id="87" name="TextShape 2"/>
+          <p:cNvSpPr txBox="1"/>
+          <p:nvPr/>
+        </p:nvSpPr>
+        <p:spPr>
+          <a:xfrm>
+            <a:off x="457200" y="1524000"/>
+            <a:ext cx="8229600" cy="4495800"/>
+          </a:xfrm>
+          <a:prstGeom prst="rect">
+            <a:avLst/>
+          </a:prstGeom>
+          <a:noFill/>
+          <a:ln w="9360">
+            <a:noFill/>
+          </a:ln>
+        </p:spPr>
+        <p:txBody>
+          <a:bodyPr/>
+          <a:lstStyle/>
+          <a:p>
+            <a:pPr marL="457560" lvl="1">
+              <a:spcBef>
+                <a:spcPts val="561"/>
+              </a:spcBef>
+              <a:buClr>
+                <a:srgbClr val="002060"/>
+              </a:buClr>
+              <a:defRPr/>
+            </a:pPr>
+            <a:endParaRPr lang="en-US" sz="2400" spc="-1" dirty="0">
+              <a:solidFill>
+                <a:srgbClr val="002060"/>
+              </a:solidFill>
+              <a:uFill>
+                <a:solidFill>
+                  <a:srgbClr val="FFFFFF"/>
+                </a:solidFill>
+              </a:uFill>
+            </a:endParaRPr>
+          </a:p>
+        </p:txBody>
+      </p:sp>
+      <p:pic>
+        <p:nvPicPr>
+          <p:cNvPr id="15364" name="Picture 1"/>
+          <p:cNvPicPr>
+            <a:picLocks noChangeAspect="1"/>
+          </p:cNvPicPr>
+          <p:nvPr/>
+        </p:nvPicPr>
+        <p:blipFill>
+          <a:blip r:embed="rId2">
+            <a:extLst>
+              <a:ext uri="{28A0092B-C50C-407E-A947-70E740481C1C}">
+                <a14:useLocalDpi xmlns:a14="http://schemas.microsoft.com/office/drawing/2010/main" val="0"/>
+              </a:ext>
+            </a:extLst>
+          </a:blip>
+          <a:srcRect/>
+          <a:stretch>
+            <a:fillRect/>
+          </a:stretch>
+        </p:blipFill>
+        <p:spPr bwMode="auto">
+          <a:xfrm>
+            <a:off x="877888" y="1268413"/>
+            <a:ext cx="7366000" cy="5273675"/>
+          </a:xfrm>
+          <a:prstGeom prst="rect">
+            <a:avLst/>
+          </a:prstGeom>
+          <a:noFill/>
+          <a:ln>
+            <a:noFill/>
+          </a:ln>
+          <a:extLst>
+            <a:ext uri="{909E8E84-426E-40DD-AFC4-6F175D3DCCD1}">
+              <a14:hiddenFill xmlns:a14="http://schemas.microsoft.com/office/drawing/2010/main">
+                <a:solidFill>
+                  <a:srgbClr val="FFFFFF"/>
+                </a:solidFill>
+              </a14:hiddenFill>
+            </a:ext>
+            <a:ext uri="{91240B29-F687-4F45-9708-019B960494DF}">
+              <a14:hiddenLine xmlns:a14="http://schemas.microsoft.com/office/drawing/2010/main" w="9525">
+                <a:solidFill>
+                  <a:srgbClr val="000000"/>
+                </a:solidFill>
+                <a:miter lim="800000"/>
+                <a:headEnd/>
+                <a:tailEnd/>
+              </a14:hiddenLine>
+            </a:ext>
+          </a:extLst>
+        </p:spPr>
+      </p:pic>
+    </p:spTree>
+  </p:cSld>
+  <p:clrMapOvr>
+    <a:masterClrMapping/>
+  </p:clrMapOvr>
+  <p:timing>
+    <p:tnLst>
+      <p:par>
+        <p:cTn id="1" dur="indefinite" restart="never" nodeType="tmRoot">
+          <p:childTnLst>
+            <p:seq>
+              <p:cTn id="2" nodeType="mainSeq"/>
+              <p:prevCondLst>
+                <p:cond evt="onPrev" delay="0">
+                  <p:tgtEl>
+                    <p:sldTgt/>
+                  </p:tgtEl>
+                </p:cond>
+              </p:prevCondLst>
+              <p:nextCondLst>
+                <p:cond evt="onNext" delay="0">
+                  <p:tgtEl>
+                    <p:sldTgt/>
+                  </p:tgtEl>
+                </p:cond>
+              </p:nextCondLst>
+            </p:seq>
+          </p:childTnLst>
+        </p:cTn>
+      </p:par>
+    </p:tnLst>
+  </p:timing>
+</p:sld>
+</file>
+
+<file path=ppt/slides/slide16.xml><?xml version="1.0" encoding="utf-8"?>
+<p:sld xmlns:a="http://schemas.openxmlformats.org/drawingml/2006/main" xmlns:r="http://schemas.openxmlformats.org/officeDocument/2006/relationships" xmlns:p="http://schemas.openxmlformats.org/presentationml/2006/main">
+  <p:cSld>
+    <p:spTree>
+      <p:nvGrpSpPr>
+        <p:cNvPr id="1" name=""/>
+        <p:cNvGrpSpPr/>
+        <p:nvPr/>
+      </p:nvGrpSpPr>
+      <p:grpSpPr>
+        <a:xfrm>
+          <a:off x="0" y="0"/>
+          <a:ext cx="0" cy="0"/>
+          <a:chOff x="0" y="0"/>
+          <a:chExt cx="0" cy="0"/>
+        </a:xfrm>
+      </p:grpSpPr>
+      <p:sp>
+        <p:nvSpPr>
           <p:cNvPr id="86" name="TextShape 1"/>
           <p:cNvSpPr txBox="1"/>
           <p:nvPr/>
@@ -7560,7 +9247,7 @@
 </p:sld>
 </file>
 
-<file path=ppt/slides/slide11.xml><?xml version="1.0" encoding="utf-8"?>
+<file path=ppt/slides/slide17.xml><?xml version="1.0" encoding="utf-8"?>
 <p:sld xmlns:a="http://schemas.openxmlformats.org/drawingml/2006/main" xmlns:r="http://schemas.openxmlformats.org/officeDocument/2006/relationships" xmlns:p="http://schemas.openxmlformats.org/presentationml/2006/main">
   <p:cSld>
     <p:spTree>
@@ -8007,7 +9694,7 @@
 </p:sld>
 </file>
 
-<file path=ppt/slides/slide12.xml><?xml version="1.0" encoding="utf-8"?>
+<file path=ppt/slides/slide18.xml><?xml version="1.0" encoding="utf-8"?>
 <p:sld xmlns:a="http://schemas.openxmlformats.org/drawingml/2006/main" xmlns:r="http://schemas.openxmlformats.org/officeDocument/2006/relationships" xmlns:p="http://schemas.openxmlformats.org/presentationml/2006/main">
   <p:cSld>
     <p:spTree>
@@ -8442,7 +10129,7 @@
 </p:sld>
 </file>
 
-<file path=ppt/slides/slide13.xml><?xml version="1.0" encoding="utf-8"?>
+<file path=ppt/slides/slide19.xml><?xml version="1.0" encoding="utf-8"?>
 <p:sld xmlns:a="http://schemas.openxmlformats.org/drawingml/2006/main" xmlns:r="http://schemas.openxmlformats.org/officeDocument/2006/relationships" xmlns:p="http://schemas.openxmlformats.org/presentationml/2006/main">
   <p:cSld>
     <p:spTree>
@@ -8900,7 +10587,420 @@
 </p:sld>
 </file>
 
-<file path=ppt/slides/slide14.xml><?xml version="1.0" encoding="utf-8"?>
+<file path=ppt/slides/slide2.xml><?xml version="1.0" encoding="utf-8"?>
+<p:sld xmlns:a="http://schemas.openxmlformats.org/drawingml/2006/main" xmlns:r="http://schemas.openxmlformats.org/officeDocument/2006/relationships" xmlns:p="http://schemas.openxmlformats.org/presentationml/2006/main">
+  <p:cSld>
+    <p:spTree>
+      <p:nvGrpSpPr>
+        <p:cNvPr id="1" name=""/>
+        <p:cNvGrpSpPr/>
+        <p:nvPr/>
+      </p:nvGrpSpPr>
+      <p:grpSpPr>
+        <a:xfrm>
+          <a:off x="0" y="0"/>
+          <a:ext cx="0" cy="0"/>
+          <a:chOff x="0" y="0"/>
+          <a:chExt cx="0" cy="0"/>
+        </a:xfrm>
+      </p:grpSpPr>
+      <p:sp>
+        <p:nvSpPr>
+          <p:cNvPr id="86" name="TextShape 1"/>
+          <p:cNvSpPr txBox="1"/>
+          <p:nvPr/>
+        </p:nvSpPr>
+        <p:spPr>
+          <a:xfrm>
+            <a:off x="457200" y="274638"/>
+            <a:ext cx="8229600" cy="1143000"/>
+          </a:xfrm>
+          <a:prstGeom prst="rect">
+            <a:avLst/>
+          </a:prstGeom>
+          <a:noFill/>
+          <a:ln w="9360">
+            <a:noFill/>
+          </a:ln>
+        </p:spPr>
+        <p:txBody>
+          <a:bodyPr anchor="ctr"/>
+          <a:lstStyle/>
+          <a:p>
+            <a:pPr>
+              <a:defRPr/>
+            </a:pPr>
+            <a:r>
+              <a:rPr lang="en-US" sz="4000" b="1" spc="-1" dirty="0" smtClean="0">
+                <a:solidFill>
+                  <a:srgbClr val="C00000"/>
+                </a:solidFill>
+                <a:uFill>
+                  <a:solidFill>
+                    <a:srgbClr val="FFFFFF"/>
+                  </a:solidFill>
+                </a:uFill>
+                <a:latin typeface="Calibri"/>
+              </a:rPr>
+              <a:t>Grading Overview</a:t>
+            </a:r>
+            <a:endParaRPr lang="en-US" spc="-1" dirty="0">
+              <a:solidFill>
+                <a:srgbClr val="000000"/>
+              </a:solidFill>
+              <a:uFill>
+                <a:solidFill>
+                  <a:srgbClr val="FFFFFF"/>
+                </a:solidFill>
+              </a:uFill>
+              <a:latin typeface="Calibri"/>
+            </a:endParaRPr>
+          </a:p>
+        </p:txBody>
+      </p:sp>
+      <p:sp>
+        <p:nvSpPr>
+          <p:cNvPr id="8" name="TextShape 2"/>
+          <p:cNvSpPr txBox="1"/>
+          <p:nvPr/>
+        </p:nvSpPr>
+        <p:spPr>
+          <a:xfrm>
+            <a:off x="457200" y="1524000"/>
+            <a:ext cx="8229600" cy="4495800"/>
+          </a:xfrm>
+          <a:prstGeom prst="rect">
+            <a:avLst/>
+          </a:prstGeom>
+          <a:noFill/>
+          <a:ln w="9360">
+            <a:noFill/>
+          </a:ln>
+        </p:spPr>
+        <p:txBody>
+          <a:bodyPr/>
+          <a:lstStyle/>
+          <a:p>
+            <a:pPr marL="342900" indent="-342900">
+              <a:buFont typeface="Arial" panose="020B0604020202020204" pitchFamily="34" charset="0"/>
+              <a:buChar char="•"/>
+            </a:pPr>
+            <a:r>
+              <a:rPr lang="en-US" sz="2400" b="1" i="0" dirty="0">
+                <a:solidFill>
+                  <a:srgbClr val="002060"/>
+                </a:solidFill>
+              </a:rPr>
+              <a:t>Prototype: 300 points</a:t>
+            </a:r>
+            <a:r>
+              <a:rPr lang="en-US" sz="2400" i="0" dirty="0">
+                <a:solidFill>
+                  <a:srgbClr val="002060"/>
+                </a:solidFill>
+              </a:rPr>
+              <a:t> </a:t>
+            </a:r>
+            <a:r>
+              <a:rPr lang="en-US" sz="2400" i="0" dirty="0" smtClean="0">
+                <a:solidFill>
+                  <a:srgbClr val="002060"/>
+                </a:solidFill>
+              </a:rPr>
+              <a:t/>
+            </a:r>
+            <a:br>
+              <a:rPr lang="en-US" sz="2400" i="0" dirty="0" smtClean="0">
+                <a:solidFill>
+                  <a:srgbClr val="002060"/>
+                </a:solidFill>
+              </a:rPr>
+            </a:br>
+            <a:r>
+              <a:rPr lang="en-US" sz="2400" i="0" dirty="0" smtClean="0">
+                <a:solidFill>
+                  <a:srgbClr val="002060"/>
+                </a:solidFill>
+              </a:rPr>
+              <a:t>(</a:t>
+            </a:r>
+            <a:r>
+              <a:rPr lang="en-US" sz="2400" i="0" dirty="0">
+                <a:solidFill>
+                  <a:srgbClr val="002060"/>
+                </a:solidFill>
+              </a:rPr>
+              <a:t>The product and its </a:t>
+            </a:r>
+            <a:r>
+              <a:rPr lang="en-US" sz="2400" i="0" dirty="0" smtClean="0">
+                <a:solidFill>
+                  <a:srgbClr val="002060"/>
+                </a:solidFill>
+              </a:rPr>
+              <a:t>implementation</a:t>
+            </a:r>
+            <a:r>
+              <a:rPr lang="en-US" sz="2400" i="0" dirty="0">
+                <a:solidFill>
+                  <a:srgbClr val="002060"/>
+                </a:solidFill>
+              </a:rPr>
+              <a:t>; mostly Kalvis)</a:t>
+            </a:r>
+          </a:p>
+          <a:p>
+            <a:pPr marL="342900" indent="-342900">
+              <a:buFont typeface="Arial" panose="020B0604020202020204" pitchFamily="34" charset="0"/>
+              <a:buChar char="•"/>
+            </a:pPr>
+            <a:r>
+              <a:rPr lang="en-US" sz="2400" b="1" i="0" dirty="0">
+                <a:solidFill>
+                  <a:srgbClr val="002060"/>
+                </a:solidFill>
+              </a:rPr>
+              <a:t>Class contribution: 200 points</a:t>
+            </a:r>
+            <a:r>
+              <a:rPr lang="en-US" sz="2400" i="0" dirty="0">
+                <a:solidFill>
+                  <a:srgbClr val="002060"/>
+                </a:solidFill>
+              </a:rPr>
+              <a:t> </a:t>
+            </a:r>
+            <a:r>
+              <a:rPr lang="en-US" sz="2400" i="0" dirty="0" smtClean="0">
+                <a:solidFill>
+                  <a:srgbClr val="002060"/>
+                </a:solidFill>
+              </a:rPr>
+              <a:t/>
+            </a:r>
+            <a:br>
+              <a:rPr lang="en-US" sz="2400" i="0" dirty="0" smtClean="0">
+                <a:solidFill>
+                  <a:srgbClr val="002060"/>
+                </a:solidFill>
+              </a:rPr>
+            </a:br>
+            <a:r>
+              <a:rPr lang="en-US" sz="2400" i="0" dirty="0" smtClean="0">
+                <a:solidFill>
+                  <a:srgbClr val="002060"/>
+                </a:solidFill>
+              </a:rPr>
+              <a:t>(</a:t>
+            </a:r>
+            <a:r>
+              <a:rPr lang="en-US" sz="2400" i="0" dirty="0">
+                <a:solidFill>
+                  <a:srgbClr val="002060"/>
+                </a:solidFill>
+              </a:rPr>
+              <a:t>various </a:t>
+            </a:r>
+            <a:r>
+              <a:rPr lang="en-US" sz="2400" i="0" dirty="0" smtClean="0">
+                <a:solidFill>
+                  <a:srgbClr val="002060"/>
+                </a:solidFill>
+              </a:rPr>
+              <a:t>assignments: </a:t>
+            </a:r>
+            <a:r>
+              <a:rPr lang="en-US" sz="2400" i="0" dirty="0">
+                <a:solidFill>
+                  <a:srgbClr val="002060"/>
+                </a:solidFill>
+              </a:rPr>
+              <a:t>mostly Claudio and Kalvis)</a:t>
+            </a:r>
+          </a:p>
+          <a:p>
+            <a:pPr marL="342900" indent="-342900">
+              <a:buFont typeface="Arial" panose="020B0604020202020204" pitchFamily="34" charset="0"/>
+              <a:buChar char="•"/>
+            </a:pPr>
+            <a:r>
+              <a:rPr lang="en-US" sz="2400" b="1" i="0" dirty="0">
+                <a:solidFill>
+                  <a:srgbClr val="002060"/>
+                </a:solidFill>
+              </a:rPr>
+              <a:t>Team Progress Reports (4 x 50): 200 points </a:t>
+            </a:r>
+            <a:r>
+              <a:rPr lang="en-US" sz="2400" b="1" i="0" dirty="0" smtClean="0">
+                <a:solidFill>
+                  <a:srgbClr val="002060"/>
+                </a:solidFill>
+              </a:rPr>
+              <a:t/>
+            </a:r>
+            <a:br>
+              <a:rPr lang="en-US" sz="2400" b="1" i="0" dirty="0" smtClean="0">
+                <a:solidFill>
+                  <a:srgbClr val="002060"/>
+                </a:solidFill>
+              </a:rPr>
+            </a:br>
+            <a:r>
+              <a:rPr lang="en-US" sz="2400" i="0" dirty="0" smtClean="0">
+                <a:solidFill>
+                  <a:srgbClr val="002060"/>
+                </a:solidFill>
+              </a:rPr>
+              <a:t>(</a:t>
+            </a:r>
+            <a:r>
+              <a:rPr lang="en-US" sz="2400" i="0" dirty="0">
+                <a:solidFill>
+                  <a:srgbClr val="002060"/>
+                </a:solidFill>
+              </a:rPr>
+              <a:t>Business Development perspective: mostly </a:t>
+            </a:r>
+            <a:r>
+              <a:rPr lang="en-US" sz="2400" i="0" dirty="0" err="1">
+                <a:solidFill>
+                  <a:srgbClr val="002060"/>
+                </a:solidFill>
+              </a:rPr>
+              <a:t>Viesturs</a:t>
+            </a:r>
+            <a:r>
+              <a:rPr lang="en-US" sz="2400" i="0" dirty="0">
+                <a:solidFill>
+                  <a:srgbClr val="002060"/>
+                </a:solidFill>
+              </a:rPr>
+              <a:t>)</a:t>
+            </a:r>
+          </a:p>
+          <a:p>
+            <a:pPr marL="342900" indent="-342900">
+              <a:buFont typeface="Arial" panose="020B0604020202020204" pitchFamily="34" charset="0"/>
+              <a:buChar char="•"/>
+            </a:pPr>
+            <a:r>
+              <a:rPr lang="en-US" sz="2400" b="1" i="0" dirty="0">
+                <a:solidFill>
+                  <a:srgbClr val="002060"/>
+                </a:solidFill>
+              </a:rPr>
+              <a:t>Final </a:t>
+            </a:r>
+            <a:r>
+              <a:rPr lang="en-US" sz="2400" b="1" i="0" dirty="0" smtClean="0">
+                <a:solidFill>
+                  <a:srgbClr val="002060"/>
+                </a:solidFill>
+              </a:rPr>
+              <a:t>presentation: </a:t>
+            </a:r>
+            <a:r>
+              <a:rPr lang="en-US" sz="2400" b="1" i="0" dirty="0">
+                <a:solidFill>
+                  <a:srgbClr val="002060"/>
+                </a:solidFill>
+              </a:rPr>
+              <a:t>300 points </a:t>
+            </a:r>
+            <a:r>
+              <a:rPr lang="en-US" sz="2400" b="1" i="0" dirty="0" smtClean="0">
+                <a:solidFill>
+                  <a:srgbClr val="002060"/>
+                </a:solidFill>
+              </a:rPr>
+              <a:t/>
+            </a:r>
+            <a:br>
+              <a:rPr lang="en-US" sz="2400" b="1" i="0" dirty="0" smtClean="0">
+                <a:solidFill>
+                  <a:srgbClr val="002060"/>
+                </a:solidFill>
+              </a:rPr>
+            </a:br>
+            <a:r>
+              <a:rPr lang="en-US" sz="2400" i="0" dirty="0" smtClean="0">
+                <a:solidFill>
+                  <a:srgbClr val="002060"/>
+                </a:solidFill>
+              </a:rPr>
+              <a:t>(Delivering and presenting </a:t>
+            </a:r>
+            <a:r>
+              <a:rPr lang="en-US" sz="2400" i="0" dirty="0">
+                <a:solidFill>
+                  <a:srgbClr val="002060"/>
+                </a:solidFill>
+              </a:rPr>
+              <a:t>the </a:t>
+            </a:r>
+            <a:r>
+              <a:rPr lang="en-US" sz="2400" i="0" dirty="0" smtClean="0">
+                <a:solidFill>
+                  <a:srgbClr val="002060"/>
+                </a:solidFill>
+              </a:rPr>
+              <a:t>product, Dec 11)</a:t>
+            </a:r>
+            <a:endParaRPr lang="en-US" sz="2400" spc="-1" dirty="0">
+              <a:solidFill>
+                <a:srgbClr val="002060"/>
+              </a:solidFill>
+              <a:uFill>
+                <a:solidFill>
+                  <a:srgbClr val="FFFFFF"/>
+                </a:solidFill>
+              </a:uFill>
+            </a:endParaRPr>
+          </a:p>
+        </p:txBody>
+      </p:sp>
+    </p:spTree>
+    <p:extLst>
+      <p:ext uri="{BB962C8B-B14F-4D97-AF65-F5344CB8AC3E}">
+        <p14:creationId xmlns:p14="http://schemas.microsoft.com/office/powerpoint/2010/main" val="3165430604"/>
+      </p:ext>
+    </p:extLst>
+  </p:cSld>
+  <p:clrMapOvr>
+    <a:masterClrMapping/>
+  </p:clrMapOvr>
+  <p:timing>
+    <p:tnLst>
+      <p:par>
+        <p:cTn id="1" dur="indefinite" restart="never" nodeType="tmRoot">
+          <p:childTnLst>
+            <p:seq>
+              <p:cTn id="2" nodeType="mainSeq"/>
+              <p:prevCondLst>
+                <p:cond evt="onPrev" delay="0">
+                  <p:tgtEl>
+                    <p:sldTgt/>
+                  </p:tgtEl>
+                </p:cond>
+              </p:prevCondLst>
+              <p:nextCondLst>
+                <p:cond evt="onNext" delay="0">
+                  <p:tgtEl>
+                    <p:sldTgt/>
+                  </p:tgtEl>
+                </p:cond>
+              </p:nextCondLst>
+            </p:seq>
+          </p:childTnLst>
+        </p:cTn>
+      </p:par>
+    </p:tnLst>
+  </p:timing>
+</p:sld>
+</file>
+
+<file path=ppt/slides/slide20.xml><?xml version="1.0" encoding="utf-8"?>
 <p:sld xmlns:a="http://schemas.openxmlformats.org/drawingml/2006/main" xmlns:r="http://schemas.openxmlformats.org/officeDocument/2006/relationships" xmlns:p="http://schemas.openxmlformats.org/presentationml/2006/main">
   <p:cSld>
     <p:spTree>
@@ -9389,7 +11489,7 @@
 </p:sld>
 </file>
 
-<file path=ppt/slides/slide15.xml><?xml version="1.0" encoding="utf-8"?>
+<file path=ppt/slides/slide21.xml><?xml version="1.0" encoding="utf-8"?>
 <p:sld xmlns:a="http://schemas.openxmlformats.org/drawingml/2006/main" xmlns:r="http://schemas.openxmlformats.org/officeDocument/2006/relationships" xmlns:p="http://schemas.openxmlformats.org/presentationml/2006/main">
   <p:cSld>
     <p:spTree>
@@ -9549,7 +11649,7 @@
 </p:sld>
 </file>
 
-<file path=ppt/slides/slide16.xml><?xml version="1.0" encoding="utf-8"?>
+<file path=ppt/slides/slide22.xml><?xml version="1.0" encoding="utf-8"?>
 <p:sld xmlns:a="http://schemas.openxmlformats.org/drawingml/2006/main" xmlns:r="http://schemas.openxmlformats.org/officeDocument/2006/relationships" xmlns:p="http://schemas.openxmlformats.org/presentationml/2006/main">
   <p:cSld>
     <p:spTree>
@@ -10607,7 +12707,7 @@
 </p:sld>
 </file>
 
-<file path=ppt/slides/slide17.xml><?xml version="1.0" encoding="utf-8"?>
+<file path=ppt/slides/slide23.xml><?xml version="1.0" encoding="utf-8"?>
 <p:sld xmlns:a="http://schemas.openxmlformats.org/drawingml/2006/main" xmlns:r="http://schemas.openxmlformats.org/officeDocument/2006/relationships" xmlns:p="http://schemas.openxmlformats.org/presentationml/2006/main">
   <p:cSld>
     <p:spTree>
@@ -14106,7 +16206,7 @@
 </p:sld>
 </file>
 
-<file path=ppt/slides/slide2.xml><?xml version="1.0" encoding="utf-8"?>
+<file path=ppt/slides/slide3.xml><?xml version="1.0" encoding="utf-8"?>
 <p:sld xmlns:a="http://schemas.openxmlformats.org/drawingml/2006/main" xmlns:r="http://schemas.openxmlformats.org/officeDocument/2006/relationships" xmlns:p="http://schemas.openxmlformats.org/presentationml/2006/main">
   <p:cSld>
     <p:spTree>
@@ -14150,7 +16250,7 @@
               <a:defRPr/>
             </a:pPr>
             <a:r>
-              <a:rPr lang="lv-LV" sz="4000" b="1" spc="-1" dirty="0">
+              <a:rPr lang="en-US" sz="4000" b="1" spc="-1" dirty="0" smtClean="0">
                 <a:solidFill>
                   <a:srgbClr val="C00000"/>
                 </a:solidFill>
@@ -14161,7 +16261,7 @@
                 </a:uFill>
                 <a:latin typeface="Calibri"/>
               </a:rPr>
-              <a:t>What is CMM</a:t>
+              <a:t>Class Contribution (200 points)</a:t>
             </a:r>
             <a:endParaRPr lang="en-US" spc="-1" dirty="0">
               <a:solidFill>
@@ -14200,6 +16300,1612 @@
           <a:bodyPr/>
           <a:lstStyle/>
           <a:p>
+            <a:pPr marL="342900" indent="-342900">
+              <a:buFont typeface="Arial" panose="020B0604020202020204" pitchFamily="34" charset="0"/>
+              <a:buChar char="•"/>
+            </a:pPr>
+            <a:r>
+              <a:rPr lang="en-US" sz="2400" b="1" i="0" dirty="0">
+                <a:solidFill>
+                  <a:srgbClr val="002060"/>
+                </a:solidFill>
+              </a:rPr>
+              <a:t>Working Agreement:</a:t>
+            </a:r>
+            <a:r>
+              <a:rPr lang="en-US" sz="2400" i="0" dirty="0">
+                <a:solidFill>
+                  <a:srgbClr val="002060"/>
+                </a:solidFill>
+              </a:rPr>
+              <a:t> up to 20 points - update this.</a:t>
+            </a:r>
+          </a:p>
+          <a:p>
+            <a:pPr marL="342900" indent="-342900">
+              <a:buFont typeface="Arial" panose="020B0604020202020204" pitchFamily="34" charset="0"/>
+              <a:buChar char="•"/>
+            </a:pPr>
+            <a:r>
+              <a:rPr lang="en-US" sz="2400" b="1" i="0" dirty="0">
+                <a:solidFill>
+                  <a:srgbClr val="002060"/>
+                </a:solidFill>
+              </a:rPr>
+              <a:t>Tools and Methods for Productivity:</a:t>
+            </a:r>
+            <a:r>
+              <a:rPr lang="en-US" sz="2400" i="0" dirty="0">
+                <a:solidFill>
+                  <a:srgbClr val="002060"/>
+                </a:solidFill>
+              </a:rPr>
+              <a:t> up to 30 </a:t>
+            </a:r>
+            <a:r>
+              <a:rPr lang="en-US" sz="2400" i="0" dirty="0" smtClean="0">
+                <a:solidFill>
+                  <a:srgbClr val="002060"/>
+                </a:solidFill>
+              </a:rPr>
+              <a:t>points; some simple skills that could make you more productive</a:t>
+            </a:r>
+          </a:p>
+          <a:p>
+            <a:pPr marL="342900" indent="-342900">
+              <a:buFont typeface="Arial" panose="020B0604020202020204" pitchFamily="34" charset="0"/>
+              <a:buChar char="•"/>
+            </a:pPr>
+            <a:r>
+              <a:rPr lang="en-US" sz="2400" b="1" i="0" dirty="0" smtClean="0">
+                <a:solidFill>
+                  <a:srgbClr val="002060"/>
+                </a:solidFill>
+              </a:rPr>
+              <a:t>Agile </a:t>
+            </a:r>
+            <a:r>
+              <a:rPr lang="en-US" sz="2400" b="1" i="0" dirty="0">
+                <a:solidFill>
+                  <a:srgbClr val="002060"/>
+                </a:solidFill>
+              </a:rPr>
+              <a:t>Development Process: up to 50 </a:t>
+            </a:r>
+            <a:r>
+              <a:rPr lang="en-US" sz="2400" b="1" i="0" dirty="0" smtClean="0">
+                <a:solidFill>
+                  <a:srgbClr val="002060"/>
+                </a:solidFill>
+              </a:rPr>
+              <a:t>points: </a:t>
+            </a:r>
+            <a:br>
+              <a:rPr lang="en-US" sz="2400" b="1" i="0" dirty="0" smtClean="0">
+                <a:solidFill>
+                  <a:srgbClr val="002060"/>
+                </a:solidFill>
+              </a:rPr>
+            </a:br>
+            <a:r>
+              <a:rPr lang="en-US" sz="2400" i="0" dirty="0" smtClean="0">
+                <a:solidFill>
+                  <a:srgbClr val="002060"/>
+                </a:solidFill>
+              </a:rPr>
+              <a:t>Small </a:t>
+            </a:r>
+            <a:r>
+              <a:rPr lang="en-US" sz="2400" i="0" dirty="0">
+                <a:solidFill>
+                  <a:srgbClr val="002060"/>
+                </a:solidFill>
+              </a:rPr>
+              <a:t>reading assignments about the software engineering best practices. (Essential </a:t>
+            </a:r>
+            <a:r>
+              <a:rPr lang="en-US" sz="2400" i="0" dirty="0" smtClean="0">
+                <a:solidFill>
+                  <a:srgbClr val="002060"/>
+                </a:solidFill>
+              </a:rPr>
+              <a:t>Scrum, etc.)</a:t>
+            </a:r>
+          </a:p>
+          <a:p>
+            <a:pPr marL="342900" indent="-342900">
+              <a:buFont typeface="Arial" panose="020B0604020202020204" pitchFamily="34" charset="0"/>
+              <a:buChar char="•"/>
+            </a:pPr>
+            <a:endParaRPr lang="en-US" sz="2400" i="0" spc="-1" dirty="0">
+              <a:solidFill>
+                <a:srgbClr val="002060"/>
+              </a:solidFill>
+              <a:uFill>
+                <a:solidFill>
+                  <a:srgbClr val="FFFFFF"/>
+                </a:solidFill>
+              </a:uFill>
+            </a:endParaRPr>
+          </a:p>
+          <a:p>
+            <a:pPr marL="342900" indent="-342900">
+              <a:buFont typeface="Arial" panose="020B0604020202020204" pitchFamily="34" charset="0"/>
+              <a:buChar char="•"/>
+            </a:pPr>
+            <a:r>
+              <a:rPr lang="en-US" sz="2400" i="0" spc="-1" dirty="0" smtClean="0">
+                <a:solidFill>
+                  <a:srgbClr val="002060"/>
+                </a:solidFill>
+                <a:uFill>
+                  <a:solidFill>
+                    <a:srgbClr val="FFFFFF"/>
+                  </a:solidFill>
+                </a:uFill>
+              </a:rPr>
+              <a:t>Up to 100 points awarded by Claudio (self-evaluations, etc.).</a:t>
+            </a:r>
+            <a:endParaRPr lang="en-US" sz="2400" spc="-1" dirty="0">
+              <a:solidFill>
+                <a:srgbClr val="002060"/>
+              </a:solidFill>
+              <a:uFill>
+                <a:solidFill>
+                  <a:srgbClr val="FFFFFF"/>
+                </a:solidFill>
+              </a:uFill>
+            </a:endParaRPr>
+          </a:p>
+        </p:txBody>
+      </p:sp>
+    </p:spTree>
+    <p:extLst>
+      <p:ext uri="{BB962C8B-B14F-4D97-AF65-F5344CB8AC3E}">
+        <p14:creationId xmlns:p14="http://schemas.microsoft.com/office/powerpoint/2010/main" val="2519096567"/>
+      </p:ext>
+    </p:extLst>
+  </p:cSld>
+  <p:clrMapOvr>
+    <a:masterClrMapping/>
+  </p:clrMapOvr>
+  <p:timing>
+    <p:tnLst>
+      <p:par>
+        <p:cTn id="1" dur="indefinite" restart="never" nodeType="tmRoot">
+          <p:childTnLst>
+            <p:seq>
+              <p:cTn id="2" nodeType="mainSeq"/>
+              <p:prevCondLst>
+                <p:cond evt="onPrev" delay="0">
+                  <p:tgtEl>
+                    <p:sldTgt/>
+                  </p:tgtEl>
+                </p:cond>
+              </p:prevCondLst>
+              <p:nextCondLst>
+                <p:cond evt="onNext" delay="0">
+                  <p:tgtEl>
+                    <p:sldTgt/>
+                  </p:tgtEl>
+                </p:cond>
+              </p:nextCondLst>
+            </p:seq>
+          </p:childTnLst>
+        </p:cTn>
+      </p:par>
+    </p:tnLst>
+  </p:timing>
+</p:sld>
+</file>
+
+<file path=ppt/slides/slide4.xml><?xml version="1.0" encoding="utf-8"?>
+<p:sld xmlns:a="http://schemas.openxmlformats.org/drawingml/2006/main" xmlns:r="http://schemas.openxmlformats.org/officeDocument/2006/relationships" xmlns:p="http://schemas.openxmlformats.org/presentationml/2006/main">
+  <p:cSld>
+    <p:spTree>
+      <p:nvGrpSpPr>
+        <p:cNvPr id="1" name=""/>
+        <p:cNvGrpSpPr/>
+        <p:nvPr/>
+      </p:nvGrpSpPr>
+      <p:grpSpPr>
+        <a:xfrm>
+          <a:off x="0" y="0"/>
+          <a:ext cx="0" cy="0"/>
+          <a:chOff x="0" y="0"/>
+          <a:chExt cx="0" cy="0"/>
+        </a:xfrm>
+      </p:grpSpPr>
+      <p:sp>
+        <p:nvSpPr>
+          <p:cNvPr id="86" name="TextShape 1"/>
+          <p:cNvSpPr txBox="1"/>
+          <p:nvPr/>
+        </p:nvSpPr>
+        <p:spPr>
+          <a:xfrm>
+            <a:off x="457200" y="274638"/>
+            <a:ext cx="8229600" cy="1143000"/>
+          </a:xfrm>
+          <a:prstGeom prst="rect">
+            <a:avLst/>
+          </a:prstGeom>
+          <a:noFill/>
+          <a:ln w="9360">
+            <a:noFill/>
+          </a:ln>
+        </p:spPr>
+        <p:txBody>
+          <a:bodyPr anchor="ctr"/>
+          <a:lstStyle/>
+          <a:p>
+            <a:pPr>
+              <a:defRPr/>
+            </a:pPr>
+            <a:r>
+              <a:rPr lang="en-US" sz="4000" b="1" spc="-1" dirty="0" smtClean="0">
+                <a:solidFill>
+                  <a:srgbClr val="C00000"/>
+                </a:solidFill>
+                <a:uFill>
+                  <a:solidFill>
+                    <a:srgbClr val="FFFFFF"/>
+                  </a:solidFill>
+                </a:uFill>
+                <a:latin typeface="Calibri"/>
+              </a:rPr>
+              <a:t>Prototype (300 points)</a:t>
+            </a:r>
+            <a:endParaRPr lang="en-US" spc="-1" dirty="0">
+              <a:solidFill>
+                <a:srgbClr val="000000"/>
+              </a:solidFill>
+              <a:uFill>
+                <a:solidFill>
+                  <a:srgbClr val="FFFFFF"/>
+                </a:solidFill>
+              </a:uFill>
+              <a:latin typeface="Calibri"/>
+            </a:endParaRPr>
+          </a:p>
+        </p:txBody>
+      </p:sp>
+      <p:sp>
+        <p:nvSpPr>
+          <p:cNvPr id="8" name="TextShape 2"/>
+          <p:cNvSpPr txBox="1"/>
+          <p:nvPr/>
+        </p:nvSpPr>
+        <p:spPr>
+          <a:xfrm>
+            <a:off x="457200" y="1524000"/>
+            <a:ext cx="8229600" cy="4495800"/>
+          </a:xfrm>
+          <a:prstGeom prst="rect">
+            <a:avLst/>
+          </a:prstGeom>
+          <a:noFill/>
+          <a:ln w="9360">
+            <a:noFill/>
+          </a:ln>
+        </p:spPr>
+        <p:txBody>
+          <a:bodyPr/>
+          <a:lstStyle/>
+          <a:p>
+            <a:pPr marL="342900" indent="-342900">
+              <a:buFont typeface="Arial" panose="020B0604020202020204" pitchFamily="34" charset="0"/>
+              <a:buChar char="•"/>
+            </a:pPr>
+            <a:r>
+              <a:rPr lang="en-US" sz="2400" b="1" i="0" dirty="0" smtClean="0">
+                <a:solidFill>
+                  <a:srgbClr val="FF0000"/>
+                </a:solidFill>
+              </a:rPr>
+              <a:t>Functional </a:t>
+            </a:r>
+            <a:r>
+              <a:rPr lang="en-US" sz="2400" b="1" i="0" dirty="0">
+                <a:solidFill>
+                  <a:srgbClr val="FF0000"/>
+                </a:solidFill>
+              </a:rPr>
+              <a:t>Design</a:t>
+            </a:r>
+            <a:r>
+              <a:rPr lang="en-US" sz="2400" i="0" dirty="0">
+                <a:solidFill>
+                  <a:srgbClr val="002060"/>
+                </a:solidFill>
+              </a:rPr>
+              <a:t> (as Document by November 15):</a:t>
+            </a:r>
+            <a:br>
+              <a:rPr lang="en-US" sz="2400" i="0" dirty="0">
+                <a:solidFill>
+                  <a:srgbClr val="002060"/>
+                </a:solidFill>
+              </a:rPr>
+            </a:br>
+            <a:r>
+              <a:rPr lang="en-US" sz="2400" b="1" i="0" dirty="0">
+                <a:solidFill>
+                  <a:srgbClr val="002060"/>
+                </a:solidFill>
+              </a:rPr>
+              <a:t>up to 50 </a:t>
+            </a:r>
+            <a:r>
+              <a:rPr lang="en-US" sz="2400" b="1" i="0" dirty="0" smtClean="0">
+                <a:solidFill>
+                  <a:srgbClr val="002060"/>
+                </a:solidFill>
+              </a:rPr>
+              <a:t>points</a:t>
+            </a:r>
+            <a:r>
+              <a:rPr lang="en-US" sz="2400" i="0" dirty="0">
+                <a:solidFill>
+                  <a:srgbClr val="002060"/>
+                </a:solidFill>
+              </a:rPr>
+              <a:t> </a:t>
+            </a:r>
+            <a:r>
+              <a:rPr lang="en-US" sz="2400" i="0" dirty="0" smtClean="0">
+                <a:solidFill>
+                  <a:srgbClr val="002060"/>
+                </a:solidFill>
+              </a:rPr>
+              <a:t>– </a:t>
+            </a:r>
+            <a:r>
+              <a:rPr lang="en-US" sz="2400" i="0" dirty="0" smtClean="0">
+                <a:solidFill>
+                  <a:srgbClr val="FF0000"/>
+                </a:solidFill>
+              </a:rPr>
+              <a:t>Will Set Up a Folder in ORTUS</a:t>
+            </a:r>
+            <a:endParaRPr lang="en-US" sz="2400" i="0" dirty="0">
+              <a:solidFill>
+                <a:srgbClr val="FF0000"/>
+              </a:solidFill>
+            </a:endParaRPr>
+          </a:p>
+          <a:p>
+            <a:pPr marL="342900" indent="-342900">
+              <a:buFont typeface="Arial" panose="020B0604020202020204" pitchFamily="34" charset="0"/>
+              <a:buChar char="•"/>
+            </a:pPr>
+            <a:r>
+              <a:rPr lang="en-US" sz="2400" b="1" i="0" dirty="0">
+                <a:solidFill>
+                  <a:srgbClr val="FF0000"/>
+                </a:solidFill>
+              </a:rPr>
+              <a:t>Technical Design</a:t>
+            </a:r>
+            <a:r>
+              <a:rPr lang="en-US" sz="2400" i="0" dirty="0">
+                <a:solidFill>
+                  <a:srgbClr val="002060"/>
+                </a:solidFill>
+              </a:rPr>
+              <a:t> (as </a:t>
+            </a:r>
+            <a:r>
+              <a:rPr lang="en-US" sz="2400" i="0" dirty="0" smtClean="0">
+                <a:solidFill>
+                  <a:srgbClr val="002060"/>
+                </a:solidFill>
+              </a:rPr>
+              <a:t>Document </a:t>
+            </a:r>
+            <a:r>
+              <a:rPr lang="en-US" sz="2400" i="0" dirty="0">
+                <a:solidFill>
+                  <a:srgbClr val="002060"/>
+                </a:solidFill>
+              </a:rPr>
+              <a:t>by November 15): </a:t>
+            </a:r>
+            <a:r>
+              <a:rPr lang="en-US" sz="2400" b="1" i="0" dirty="0">
+                <a:solidFill>
+                  <a:srgbClr val="002060"/>
+                </a:solidFill>
+              </a:rPr>
+              <a:t>up to 50 </a:t>
+            </a:r>
+            <a:r>
+              <a:rPr lang="en-US" sz="2400" b="1" i="0" dirty="0" smtClean="0">
+                <a:solidFill>
+                  <a:srgbClr val="002060"/>
+                </a:solidFill>
+              </a:rPr>
+              <a:t>points </a:t>
+            </a:r>
+            <a:r>
+              <a:rPr lang="en-US" sz="2400" i="0" dirty="0" smtClean="0">
+                <a:solidFill>
+                  <a:srgbClr val="002060"/>
+                </a:solidFill>
+              </a:rPr>
+              <a:t>– </a:t>
+            </a:r>
+            <a:r>
+              <a:rPr lang="en-US" sz="2400" i="0" dirty="0" smtClean="0">
+                <a:solidFill>
+                  <a:srgbClr val="FF0000"/>
+                </a:solidFill>
+              </a:rPr>
+              <a:t>Will Set Up a Folder in ORTUS</a:t>
+            </a:r>
+            <a:endParaRPr lang="en-US" sz="2400" i="0" dirty="0">
+              <a:solidFill>
+                <a:srgbClr val="FF0000"/>
+              </a:solidFill>
+            </a:endParaRPr>
+          </a:p>
+          <a:p>
+            <a:pPr marL="342900" indent="-342900">
+              <a:buFont typeface="Arial" panose="020B0604020202020204" pitchFamily="34" charset="0"/>
+              <a:buChar char="•"/>
+            </a:pPr>
+            <a:r>
+              <a:rPr lang="en-US" sz="2400" b="1" i="0" dirty="0">
+                <a:solidFill>
+                  <a:srgbClr val="FA00D6"/>
+                </a:solidFill>
+              </a:rPr>
+              <a:t>Review of Iteration 1</a:t>
+            </a:r>
+            <a:r>
+              <a:rPr lang="en-US" sz="2400" i="0" dirty="0">
+                <a:solidFill>
+                  <a:srgbClr val="002060"/>
+                </a:solidFill>
+              </a:rPr>
+              <a:t> (presented near November 22):</a:t>
+            </a:r>
+            <a:br>
+              <a:rPr lang="en-US" sz="2400" i="0" dirty="0">
+                <a:solidFill>
+                  <a:srgbClr val="002060"/>
+                </a:solidFill>
+              </a:rPr>
+            </a:br>
+            <a:r>
+              <a:rPr lang="en-US" sz="2400" b="1" i="0" dirty="0">
+                <a:solidFill>
+                  <a:srgbClr val="002060"/>
+                </a:solidFill>
+              </a:rPr>
+              <a:t>up to 50 points</a:t>
+            </a:r>
+            <a:endParaRPr lang="en-US" sz="2400" i="0" dirty="0">
+              <a:solidFill>
+                <a:srgbClr val="002060"/>
+              </a:solidFill>
+            </a:endParaRPr>
+          </a:p>
+          <a:p>
+            <a:pPr marL="342900" indent="-342900">
+              <a:buFont typeface="Arial" panose="020B0604020202020204" pitchFamily="34" charset="0"/>
+              <a:buChar char="•"/>
+            </a:pPr>
+            <a:r>
+              <a:rPr lang="en-US" sz="2400" b="1" i="0" dirty="0">
+                <a:solidFill>
+                  <a:srgbClr val="002060"/>
+                </a:solidFill>
+              </a:rPr>
+              <a:t>Review of Iteration 2</a:t>
+            </a:r>
+            <a:r>
+              <a:rPr lang="en-US" sz="2400" i="0" dirty="0">
+                <a:solidFill>
+                  <a:srgbClr val="002060"/>
+                </a:solidFill>
+              </a:rPr>
+              <a:t> (presented near December 6): </a:t>
+            </a:r>
+            <a:r>
+              <a:rPr lang="en-US" sz="2400" b="1" i="0" dirty="0">
+                <a:solidFill>
+                  <a:srgbClr val="002060"/>
+                </a:solidFill>
+              </a:rPr>
+              <a:t>up to 50 points</a:t>
+            </a:r>
+            <a:endParaRPr lang="en-US" sz="2400" i="0" dirty="0">
+              <a:solidFill>
+                <a:srgbClr val="002060"/>
+              </a:solidFill>
+            </a:endParaRPr>
+          </a:p>
+          <a:p>
+            <a:pPr marL="342900" indent="-342900">
+              <a:buFont typeface="Arial" panose="020B0604020202020204" pitchFamily="34" charset="0"/>
+              <a:buChar char="•"/>
+            </a:pPr>
+            <a:r>
+              <a:rPr lang="en-US" sz="2400" b="1" i="0" dirty="0">
+                <a:solidFill>
+                  <a:srgbClr val="002060"/>
+                </a:solidFill>
+              </a:rPr>
+              <a:t>Development/Production </a:t>
+            </a:r>
+            <a:r>
+              <a:rPr lang="en-US" sz="2400" b="1" i="0" dirty="0" smtClean="0">
+                <a:solidFill>
+                  <a:srgbClr val="002060"/>
+                </a:solidFill>
+              </a:rPr>
+              <a:t>Configuration</a:t>
+            </a:r>
+            <a:r>
+              <a:rPr lang="en-US" sz="2400" i="0" dirty="0">
+                <a:solidFill>
+                  <a:srgbClr val="002060"/>
+                </a:solidFill>
+              </a:rPr>
+              <a:t> </a:t>
+            </a:r>
+            <a:r>
+              <a:rPr lang="en-US" sz="2400" i="0" dirty="0" smtClean="0">
+                <a:solidFill>
+                  <a:srgbClr val="002060"/>
+                </a:solidFill>
+              </a:rPr>
+              <a:t>(near December 6): </a:t>
+            </a:r>
+            <a:r>
+              <a:rPr lang="en-US" sz="2400" b="1" i="0" dirty="0" smtClean="0">
+                <a:solidFill>
+                  <a:srgbClr val="002060"/>
+                </a:solidFill>
+              </a:rPr>
+              <a:t>up </a:t>
+            </a:r>
+            <a:r>
+              <a:rPr lang="en-US" sz="2400" b="1" i="0" dirty="0">
+                <a:solidFill>
+                  <a:srgbClr val="002060"/>
+                </a:solidFill>
+              </a:rPr>
+              <a:t>to 50 points</a:t>
+            </a:r>
+            <a:r>
+              <a:rPr lang="en-US" sz="2400" i="0" dirty="0">
+                <a:solidFill>
+                  <a:srgbClr val="002060"/>
+                </a:solidFill>
+              </a:rPr>
+              <a:t>.</a:t>
+            </a:r>
+          </a:p>
+          <a:p>
+            <a:pPr marL="342900" indent="-342900">
+              <a:buFont typeface="Arial" panose="020B0604020202020204" pitchFamily="34" charset="0"/>
+              <a:buChar char="•"/>
+            </a:pPr>
+            <a:r>
+              <a:rPr lang="en-US" sz="2400" b="1" i="0" dirty="0">
+                <a:solidFill>
+                  <a:srgbClr val="002060"/>
+                </a:solidFill>
+              </a:rPr>
+              <a:t>Testing, audit and measurability</a:t>
+            </a:r>
+            <a:r>
+              <a:rPr lang="en-US" sz="2400" i="0" dirty="0">
+                <a:solidFill>
+                  <a:srgbClr val="002060"/>
+                </a:solidFill>
+              </a:rPr>
+              <a:t> (before December 11): </a:t>
+            </a:r>
+            <a:r>
+              <a:rPr lang="en-US" sz="2400" b="1" i="0" dirty="0">
+                <a:solidFill>
+                  <a:srgbClr val="002060"/>
+                </a:solidFill>
+              </a:rPr>
+              <a:t>up to 50 </a:t>
+            </a:r>
+            <a:r>
+              <a:rPr lang="en-US" sz="2400" b="1" i="0" dirty="0" smtClean="0">
+                <a:solidFill>
+                  <a:srgbClr val="002060"/>
+                </a:solidFill>
+              </a:rPr>
+              <a:t>points</a:t>
+            </a:r>
+            <a:endParaRPr lang="en-US" sz="2400" i="0" dirty="0">
+              <a:solidFill>
+                <a:srgbClr val="002060"/>
+              </a:solidFill>
+            </a:endParaRPr>
+          </a:p>
+        </p:txBody>
+      </p:sp>
+    </p:spTree>
+    <p:extLst>
+      <p:ext uri="{BB962C8B-B14F-4D97-AF65-F5344CB8AC3E}">
+        <p14:creationId xmlns:p14="http://schemas.microsoft.com/office/powerpoint/2010/main" val="382615321"/>
+      </p:ext>
+    </p:extLst>
+  </p:cSld>
+  <p:clrMapOvr>
+    <a:masterClrMapping/>
+  </p:clrMapOvr>
+  <p:timing>
+    <p:tnLst>
+      <p:par>
+        <p:cTn id="1" dur="indefinite" restart="never" nodeType="tmRoot">
+          <p:childTnLst>
+            <p:seq>
+              <p:cTn id="2" nodeType="mainSeq"/>
+              <p:prevCondLst>
+                <p:cond evt="onPrev" delay="0">
+                  <p:tgtEl>
+                    <p:sldTgt/>
+                  </p:tgtEl>
+                </p:cond>
+              </p:prevCondLst>
+              <p:nextCondLst>
+                <p:cond evt="onNext" delay="0">
+                  <p:tgtEl>
+                    <p:sldTgt/>
+                  </p:tgtEl>
+                </p:cond>
+              </p:nextCondLst>
+            </p:seq>
+          </p:childTnLst>
+        </p:cTn>
+      </p:par>
+    </p:tnLst>
+  </p:timing>
+</p:sld>
+</file>
+
+<file path=ppt/slides/slide5.xml><?xml version="1.0" encoding="utf-8"?>
+<p:sld xmlns:a="http://schemas.openxmlformats.org/drawingml/2006/main" xmlns:r="http://schemas.openxmlformats.org/officeDocument/2006/relationships" xmlns:p="http://schemas.openxmlformats.org/presentationml/2006/main">
+  <p:cSld>
+    <p:spTree>
+      <p:nvGrpSpPr>
+        <p:cNvPr id="1" name=""/>
+        <p:cNvGrpSpPr/>
+        <p:nvPr/>
+      </p:nvGrpSpPr>
+      <p:grpSpPr>
+        <a:xfrm>
+          <a:off x="0" y="0"/>
+          <a:ext cx="0" cy="0"/>
+          <a:chOff x="0" y="0"/>
+          <a:chExt cx="0" cy="0"/>
+        </a:xfrm>
+      </p:grpSpPr>
+      <p:sp>
+        <p:nvSpPr>
+          <p:cNvPr id="86" name="TextShape 1"/>
+          <p:cNvSpPr txBox="1"/>
+          <p:nvPr/>
+        </p:nvSpPr>
+        <p:spPr>
+          <a:xfrm>
+            <a:off x="457200" y="274638"/>
+            <a:ext cx="8229600" cy="1143000"/>
+          </a:xfrm>
+          <a:prstGeom prst="rect">
+            <a:avLst/>
+          </a:prstGeom>
+          <a:noFill/>
+          <a:ln w="9360">
+            <a:noFill/>
+          </a:ln>
+        </p:spPr>
+        <p:txBody>
+          <a:bodyPr anchor="ctr"/>
+          <a:lstStyle/>
+          <a:p>
+            <a:pPr>
+              <a:defRPr/>
+            </a:pPr>
+            <a:r>
+              <a:rPr lang="en-US" sz="4000" b="1" spc="-1" dirty="0" smtClean="0">
+                <a:solidFill>
+                  <a:srgbClr val="C00000"/>
+                </a:solidFill>
+                <a:uFill>
+                  <a:solidFill>
+                    <a:srgbClr val="FFFFFF"/>
+                  </a:solidFill>
+                </a:uFill>
+                <a:latin typeface="Calibri"/>
+              </a:rPr>
+              <a:t>Iteration 0: Proof of Concept</a:t>
+            </a:r>
+            <a:endParaRPr lang="en-US" spc="-1" dirty="0">
+              <a:solidFill>
+                <a:srgbClr val="000000"/>
+              </a:solidFill>
+              <a:uFill>
+                <a:solidFill>
+                  <a:srgbClr val="FFFFFF"/>
+                </a:solidFill>
+              </a:uFill>
+              <a:latin typeface="Calibri"/>
+            </a:endParaRPr>
+          </a:p>
+        </p:txBody>
+      </p:sp>
+      <p:sp>
+        <p:nvSpPr>
+          <p:cNvPr id="8" name="TextShape 2"/>
+          <p:cNvSpPr txBox="1"/>
+          <p:nvPr/>
+        </p:nvSpPr>
+        <p:spPr>
+          <a:xfrm>
+            <a:off x="457200" y="1524000"/>
+            <a:ext cx="8229600" cy="4495800"/>
+          </a:xfrm>
+          <a:prstGeom prst="rect">
+            <a:avLst/>
+          </a:prstGeom>
+          <a:noFill/>
+          <a:ln w="9360">
+            <a:noFill/>
+          </a:ln>
+        </p:spPr>
+        <p:txBody>
+          <a:bodyPr/>
+          <a:lstStyle/>
+          <a:p>
+            <a:pPr marL="342900" indent="-342900">
+              <a:buFont typeface="Arial" panose="020B0604020202020204" pitchFamily="34" charset="0"/>
+              <a:buChar char="•"/>
+            </a:pPr>
+            <a:r>
+              <a:rPr lang="en-US" sz="2400" b="1" i="0" dirty="0" smtClean="0">
+                <a:solidFill>
+                  <a:srgbClr val="FF0000"/>
+                </a:solidFill>
+              </a:rPr>
+              <a:t>Youth Development </a:t>
+            </a:r>
+          </a:p>
+          <a:p>
+            <a:pPr marL="342900" indent="-342900">
+              <a:buFont typeface="Arial" panose="020B0604020202020204" pitchFamily="34" charset="0"/>
+              <a:buChar char="•"/>
+            </a:pPr>
+            <a:r>
+              <a:rPr lang="en-US" sz="2400" b="1" i="0" dirty="0" smtClean="0">
+                <a:solidFill>
+                  <a:srgbClr val="FF0000"/>
+                </a:solidFill>
+              </a:rPr>
+              <a:t>Make </a:t>
+            </a:r>
+            <a:r>
+              <a:rPr lang="en-US" sz="2400" b="1" i="0" dirty="0" err="1" smtClean="0">
+                <a:solidFill>
+                  <a:srgbClr val="FF0000"/>
+                </a:solidFill>
+              </a:rPr>
+              <a:t>Bauska</a:t>
+            </a:r>
+            <a:r>
+              <a:rPr lang="en-US" sz="2400" b="1" i="0" dirty="0" smtClean="0">
+                <a:solidFill>
+                  <a:srgbClr val="FF0000"/>
+                </a:solidFill>
+              </a:rPr>
+              <a:t> Great Again</a:t>
+            </a:r>
+          </a:p>
+          <a:p>
+            <a:pPr marL="342900" indent="-342900">
+              <a:buFont typeface="Arial" panose="020B0604020202020204" pitchFamily="34" charset="0"/>
+              <a:buChar char="•"/>
+            </a:pPr>
+            <a:r>
+              <a:rPr lang="en-US" sz="2400" b="1" i="0" dirty="0" err="1" smtClean="0">
+                <a:solidFill>
+                  <a:srgbClr val="002060"/>
+                </a:solidFill>
+              </a:rPr>
+              <a:t>Bauska</a:t>
+            </a:r>
+            <a:r>
+              <a:rPr lang="en-US" sz="2400" b="1" i="0" dirty="0" smtClean="0">
+                <a:solidFill>
+                  <a:srgbClr val="002060"/>
+                </a:solidFill>
+              </a:rPr>
+              <a:t> Move (Done)</a:t>
+            </a:r>
+          </a:p>
+          <a:p>
+            <a:pPr marL="342900" indent="-342900">
+              <a:buFont typeface="Arial" panose="020B0604020202020204" pitchFamily="34" charset="0"/>
+              <a:buChar char="•"/>
+            </a:pPr>
+            <a:r>
+              <a:rPr lang="en-US" sz="2400" b="1" i="0" dirty="0" smtClean="0">
+                <a:solidFill>
+                  <a:srgbClr val="002060"/>
+                </a:solidFill>
+              </a:rPr>
+              <a:t>Vote </a:t>
+            </a:r>
+            <a:r>
+              <a:rPr lang="en-US" sz="2400" b="1" i="0" dirty="0" err="1" smtClean="0">
+                <a:solidFill>
+                  <a:srgbClr val="002060"/>
+                </a:solidFill>
+              </a:rPr>
+              <a:t>Bauska</a:t>
+            </a:r>
+            <a:r>
+              <a:rPr lang="en-US" sz="2400" b="1" i="0" dirty="0" smtClean="0">
+                <a:solidFill>
+                  <a:srgbClr val="002060"/>
+                </a:solidFill>
+              </a:rPr>
+              <a:t> (Done)</a:t>
+            </a:r>
+          </a:p>
+          <a:p>
+            <a:pPr marL="342900" indent="-342900">
+              <a:buFont typeface="Arial" panose="020B0604020202020204" pitchFamily="34" charset="0"/>
+              <a:buChar char="•"/>
+            </a:pPr>
+            <a:r>
+              <a:rPr lang="en-US" sz="2400" b="1" i="0" dirty="0" smtClean="0">
+                <a:solidFill>
+                  <a:srgbClr val="FF0000"/>
+                </a:solidFill>
+              </a:rPr>
+              <a:t>Bunch of Bricks </a:t>
+            </a:r>
+          </a:p>
+          <a:p>
+            <a:pPr marL="342900" indent="-342900">
+              <a:buFont typeface="Arial" panose="020B0604020202020204" pitchFamily="34" charset="0"/>
+              <a:buChar char="•"/>
+            </a:pPr>
+            <a:r>
+              <a:rPr lang="en-US" sz="2400" b="1" i="0" dirty="0" smtClean="0">
+                <a:solidFill>
+                  <a:srgbClr val="002060"/>
+                </a:solidFill>
+              </a:rPr>
+              <a:t>Career Navigator (Done)</a:t>
+            </a:r>
+          </a:p>
+          <a:p>
+            <a:pPr marL="342900" indent="-342900">
+              <a:buFont typeface="Arial" panose="020B0604020202020204" pitchFamily="34" charset="0"/>
+              <a:buChar char="•"/>
+            </a:pPr>
+            <a:r>
+              <a:rPr lang="en-US" sz="2400" b="1" i="0" dirty="0" err="1" smtClean="0">
+                <a:solidFill>
+                  <a:srgbClr val="002060"/>
+                </a:solidFill>
+              </a:rPr>
+              <a:t>EduBauska</a:t>
+            </a:r>
+            <a:r>
+              <a:rPr lang="en-US" sz="2400" b="1" i="0" dirty="0" smtClean="0">
+                <a:solidFill>
+                  <a:srgbClr val="002060"/>
+                </a:solidFill>
+              </a:rPr>
+              <a:t> (Done)</a:t>
+            </a:r>
+          </a:p>
+          <a:p>
+            <a:pPr marL="342900" indent="-342900">
+              <a:buFont typeface="Arial" panose="020B0604020202020204" pitchFamily="34" charset="0"/>
+              <a:buChar char="•"/>
+            </a:pPr>
+            <a:r>
+              <a:rPr lang="en-US" sz="2400" b="1" i="0" dirty="0" err="1" smtClean="0">
+                <a:solidFill>
+                  <a:srgbClr val="002060"/>
+                </a:solidFill>
+              </a:rPr>
+              <a:t>ProView</a:t>
+            </a:r>
+            <a:r>
+              <a:rPr lang="en-US" sz="2400" b="1" i="0" dirty="0" smtClean="0">
+                <a:solidFill>
+                  <a:srgbClr val="002060"/>
+                </a:solidFill>
+              </a:rPr>
+              <a:t> (Done)</a:t>
+            </a:r>
+          </a:p>
+          <a:p>
+            <a:pPr marL="342900" indent="-342900">
+              <a:buFont typeface="Arial" panose="020B0604020202020204" pitchFamily="34" charset="0"/>
+              <a:buChar char="•"/>
+            </a:pPr>
+            <a:r>
+              <a:rPr lang="en-US" sz="2400" b="1" i="0" dirty="0" err="1" smtClean="0">
+                <a:solidFill>
+                  <a:srgbClr val="FF0000"/>
+                </a:solidFill>
+              </a:rPr>
+              <a:t>Bauska</a:t>
+            </a:r>
+            <a:r>
+              <a:rPr lang="en-US" sz="2400" b="1" i="0" dirty="0" smtClean="0">
+                <a:solidFill>
+                  <a:srgbClr val="FF0000"/>
+                </a:solidFill>
+              </a:rPr>
+              <a:t> Live</a:t>
+            </a:r>
+          </a:p>
+          <a:p>
+            <a:pPr marL="342900" indent="-342900">
+              <a:buFont typeface="Arial" panose="020B0604020202020204" pitchFamily="34" charset="0"/>
+              <a:buChar char="•"/>
+            </a:pPr>
+            <a:endParaRPr lang="en-US" sz="2400" i="0" dirty="0">
+              <a:solidFill>
+                <a:srgbClr val="002060"/>
+              </a:solidFill>
+            </a:endParaRPr>
+          </a:p>
+        </p:txBody>
+      </p:sp>
+    </p:spTree>
+    <p:extLst>
+      <p:ext uri="{BB962C8B-B14F-4D97-AF65-F5344CB8AC3E}">
+        <p14:creationId xmlns:p14="http://schemas.microsoft.com/office/powerpoint/2010/main" val="345367133"/>
+      </p:ext>
+    </p:extLst>
+  </p:cSld>
+  <p:clrMapOvr>
+    <a:masterClrMapping/>
+  </p:clrMapOvr>
+  <p:timing>
+    <p:tnLst>
+      <p:par>
+        <p:cTn id="1" dur="indefinite" restart="never" nodeType="tmRoot">
+          <p:childTnLst>
+            <p:seq>
+              <p:cTn id="2" nodeType="mainSeq"/>
+              <p:prevCondLst>
+                <p:cond evt="onPrev" delay="0">
+                  <p:tgtEl>
+                    <p:sldTgt/>
+                  </p:tgtEl>
+                </p:cond>
+              </p:prevCondLst>
+              <p:nextCondLst>
+                <p:cond evt="onNext" delay="0">
+                  <p:tgtEl>
+                    <p:sldTgt/>
+                  </p:tgtEl>
+                </p:cond>
+              </p:nextCondLst>
+            </p:seq>
+          </p:childTnLst>
+        </p:cTn>
+      </p:par>
+    </p:tnLst>
+  </p:timing>
+</p:sld>
+</file>
+
+<file path=ppt/slides/slide6.xml><?xml version="1.0" encoding="utf-8"?>
+<p:sld xmlns:a="http://schemas.openxmlformats.org/drawingml/2006/main" xmlns:r="http://schemas.openxmlformats.org/officeDocument/2006/relationships" xmlns:p="http://schemas.openxmlformats.org/presentationml/2006/main">
+  <p:cSld>
+    <p:spTree>
+      <p:nvGrpSpPr>
+        <p:cNvPr id="1" name=""/>
+        <p:cNvGrpSpPr/>
+        <p:nvPr/>
+      </p:nvGrpSpPr>
+      <p:grpSpPr>
+        <a:xfrm>
+          <a:off x="0" y="0"/>
+          <a:ext cx="0" cy="0"/>
+          <a:chOff x="0" y="0"/>
+          <a:chExt cx="0" cy="0"/>
+        </a:xfrm>
+      </p:grpSpPr>
+      <p:sp>
+        <p:nvSpPr>
+          <p:cNvPr id="86" name="TextShape 1"/>
+          <p:cNvSpPr txBox="1"/>
+          <p:nvPr/>
+        </p:nvSpPr>
+        <p:spPr>
+          <a:xfrm>
+            <a:off x="457200" y="274638"/>
+            <a:ext cx="8229600" cy="1143000"/>
+          </a:xfrm>
+          <a:prstGeom prst="rect">
+            <a:avLst/>
+          </a:prstGeom>
+          <a:noFill/>
+          <a:ln w="9360">
+            <a:noFill/>
+          </a:ln>
+        </p:spPr>
+        <p:txBody>
+          <a:bodyPr anchor="ctr"/>
+          <a:lstStyle/>
+          <a:p>
+            <a:pPr>
+              <a:defRPr/>
+            </a:pPr>
+            <a:r>
+              <a:rPr lang="en-US" sz="4000" b="1" spc="-1" dirty="0" smtClean="0">
+                <a:solidFill>
+                  <a:srgbClr val="C00000"/>
+                </a:solidFill>
+                <a:uFill>
+                  <a:solidFill>
+                    <a:srgbClr val="FFFFFF"/>
+                  </a:solidFill>
+                </a:uFill>
+                <a:latin typeface="Calibri"/>
+              </a:rPr>
+              <a:t>Iteration 1: Recommended Go-Live</a:t>
+            </a:r>
+            <a:endParaRPr lang="en-US" spc="-1" dirty="0">
+              <a:solidFill>
+                <a:srgbClr val="000000"/>
+              </a:solidFill>
+              <a:uFill>
+                <a:solidFill>
+                  <a:srgbClr val="FFFFFF"/>
+                </a:solidFill>
+              </a:uFill>
+              <a:latin typeface="Calibri"/>
+            </a:endParaRPr>
+          </a:p>
+        </p:txBody>
+      </p:sp>
+      <p:sp>
+        <p:nvSpPr>
+          <p:cNvPr id="8" name="TextShape 2"/>
+          <p:cNvSpPr txBox="1"/>
+          <p:nvPr/>
+        </p:nvSpPr>
+        <p:spPr>
+          <a:xfrm>
+            <a:off x="457200" y="1524000"/>
+            <a:ext cx="8229600" cy="4495800"/>
+          </a:xfrm>
+          <a:prstGeom prst="rect">
+            <a:avLst/>
+          </a:prstGeom>
+          <a:noFill/>
+          <a:ln w="9360">
+            <a:noFill/>
+          </a:ln>
+        </p:spPr>
+        <p:txBody>
+          <a:bodyPr/>
+          <a:lstStyle/>
+          <a:p>
+            <a:pPr marL="342900" indent="-342900">
+              <a:buFont typeface="Arial" panose="020B0604020202020204" pitchFamily="34" charset="0"/>
+              <a:buChar char="•"/>
+            </a:pPr>
+            <a:r>
+              <a:rPr lang="en-US" sz="2400" b="1" i="0" dirty="0" smtClean="0">
+                <a:solidFill>
+                  <a:srgbClr val="002060"/>
+                </a:solidFill>
+              </a:rPr>
+              <a:t>By November 22:</a:t>
+            </a:r>
+            <a:r>
+              <a:rPr lang="en-US" sz="2400" i="0" dirty="0" smtClean="0">
+                <a:solidFill>
+                  <a:srgbClr val="002060"/>
+                </a:solidFill>
+              </a:rPr>
+              <a:t> Deploy your project in a live (production system or similar)</a:t>
+            </a:r>
+          </a:p>
+          <a:p>
+            <a:pPr marL="342900" indent="-342900">
+              <a:buFont typeface="Arial" panose="020B0604020202020204" pitchFamily="34" charset="0"/>
+              <a:buChar char="•"/>
+            </a:pPr>
+            <a:r>
+              <a:rPr lang="en-US" sz="2400" i="0" dirty="0" smtClean="0">
+                <a:solidFill>
+                  <a:srgbClr val="002060"/>
+                </a:solidFill>
+              </a:rPr>
+              <a:t>Arrange a meeting with me (pick a date between </a:t>
+            </a:r>
+            <a:r>
+              <a:rPr lang="en-US" sz="2400" b="1" i="0" dirty="0" smtClean="0">
+                <a:solidFill>
+                  <a:srgbClr val="002060"/>
+                </a:solidFill>
+              </a:rPr>
+              <a:t>November 20 </a:t>
+            </a:r>
+            <a:r>
+              <a:rPr lang="en-US" sz="2400" i="0" dirty="0" smtClean="0">
+                <a:solidFill>
+                  <a:srgbClr val="002060"/>
+                </a:solidFill>
+              </a:rPr>
+              <a:t>to </a:t>
+            </a:r>
+            <a:r>
+              <a:rPr lang="en-US" sz="2400" b="1" i="0" dirty="0" smtClean="0">
+                <a:solidFill>
+                  <a:srgbClr val="002060"/>
+                </a:solidFill>
+              </a:rPr>
+              <a:t>November 28</a:t>
+            </a:r>
+            <a:r>
+              <a:rPr lang="en-US" sz="2400" i="0" dirty="0" smtClean="0">
+                <a:solidFill>
+                  <a:srgbClr val="002060"/>
+                </a:solidFill>
+              </a:rPr>
+              <a:t>, endpoints inclusive)</a:t>
+            </a:r>
+          </a:p>
+          <a:p>
+            <a:pPr marL="1085850" lvl="1" indent="-342900">
+              <a:buFont typeface="Arial" panose="020B0604020202020204" pitchFamily="34" charset="0"/>
+              <a:buChar char="•"/>
+            </a:pPr>
+            <a:r>
+              <a:rPr lang="en-US" sz="2400" i="0" dirty="0" smtClean="0">
+                <a:solidFill>
+                  <a:srgbClr val="002060"/>
+                </a:solidFill>
+              </a:rPr>
+              <a:t>Code inspections (not graded, but we should discuss)</a:t>
+            </a:r>
+          </a:p>
+          <a:p>
+            <a:pPr marL="1085850" lvl="1" indent="-342900">
+              <a:buFont typeface="Arial" panose="020B0604020202020204" pitchFamily="34" charset="0"/>
+              <a:buChar char="•"/>
+            </a:pPr>
+            <a:r>
+              <a:rPr lang="en-US" sz="2400" i="0" dirty="0" smtClean="0">
+                <a:solidFill>
+                  <a:srgbClr val="002060"/>
+                </a:solidFill>
+              </a:rPr>
+              <a:t>Your approach to “validate” – how do you gather feedback from the stakeholders.</a:t>
+            </a:r>
+          </a:p>
+          <a:p>
+            <a:pPr marL="1085850" lvl="1" indent="-342900">
+              <a:buFont typeface="Arial" panose="020B0604020202020204" pitchFamily="34" charset="0"/>
+              <a:buChar char="•"/>
+            </a:pPr>
+            <a:r>
+              <a:rPr lang="en-US" sz="2400" i="0" dirty="0" smtClean="0">
+                <a:solidFill>
+                  <a:srgbClr val="002060"/>
+                </a:solidFill>
+              </a:rPr>
+              <a:t>Your approach to testing and logging.</a:t>
+            </a:r>
+          </a:p>
+          <a:p>
+            <a:pPr marL="1085850" lvl="1" indent="-342900">
+              <a:buFont typeface="Arial" panose="020B0604020202020204" pitchFamily="34" charset="0"/>
+              <a:buChar char="•"/>
+            </a:pPr>
+            <a:endParaRPr lang="en-US" sz="2400" i="0" dirty="0">
+              <a:solidFill>
+                <a:srgbClr val="002060"/>
+              </a:solidFill>
+            </a:endParaRPr>
+          </a:p>
+        </p:txBody>
+      </p:sp>
+    </p:spTree>
+    <p:extLst>
+      <p:ext uri="{BB962C8B-B14F-4D97-AF65-F5344CB8AC3E}">
+        <p14:creationId xmlns:p14="http://schemas.microsoft.com/office/powerpoint/2010/main" val="4092502053"/>
+      </p:ext>
+    </p:extLst>
+  </p:cSld>
+  <p:clrMapOvr>
+    <a:masterClrMapping/>
+  </p:clrMapOvr>
+  <p:timing>
+    <p:tnLst>
+      <p:par>
+        <p:cTn id="1" dur="indefinite" restart="never" nodeType="tmRoot">
+          <p:childTnLst>
+            <p:seq>
+              <p:cTn id="2" nodeType="mainSeq"/>
+              <p:prevCondLst>
+                <p:cond evt="onPrev" delay="0">
+                  <p:tgtEl>
+                    <p:sldTgt/>
+                  </p:tgtEl>
+                </p:cond>
+              </p:prevCondLst>
+              <p:nextCondLst>
+                <p:cond evt="onNext" delay="0">
+                  <p:tgtEl>
+                    <p:sldTgt/>
+                  </p:tgtEl>
+                </p:cond>
+              </p:nextCondLst>
+            </p:seq>
+          </p:childTnLst>
+        </p:cTn>
+      </p:par>
+    </p:tnLst>
+  </p:timing>
+</p:sld>
+</file>
+
+<file path=ppt/slides/slide7.xml><?xml version="1.0" encoding="utf-8"?>
+<p:sld xmlns:a="http://schemas.openxmlformats.org/drawingml/2006/main" xmlns:r="http://schemas.openxmlformats.org/officeDocument/2006/relationships" xmlns:p="http://schemas.openxmlformats.org/presentationml/2006/main">
+  <p:cSld>
+    <p:spTree>
+      <p:nvGrpSpPr>
+        <p:cNvPr id="1" name=""/>
+        <p:cNvGrpSpPr/>
+        <p:nvPr/>
+      </p:nvGrpSpPr>
+      <p:grpSpPr>
+        <a:xfrm>
+          <a:off x="0" y="0"/>
+          <a:ext cx="0" cy="0"/>
+          <a:chOff x="0" y="0"/>
+          <a:chExt cx="0" cy="0"/>
+        </a:xfrm>
+      </p:grpSpPr>
+      <p:sp>
+        <p:nvSpPr>
+          <p:cNvPr id="86" name="TextShape 1"/>
+          <p:cNvSpPr txBox="1"/>
+          <p:nvPr/>
+        </p:nvSpPr>
+        <p:spPr>
+          <a:xfrm>
+            <a:off x="457200" y="274638"/>
+            <a:ext cx="8229600" cy="1143000"/>
+          </a:xfrm>
+          <a:prstGeom prst="rect">
+            <a:avLst/>
+          </a:prstGeom>
+          <a:noFill/>
+          <a:ln w="9360">
+            <a:noFill/>
+          </a:ln>
+        </p:spPr>
+        <p:txBody>
+          <a:bodyPr anchor="ctr"/>
+          <a:lstStyle/>
+          <a:p>
+            <a:pPr>
+              <a:defRPr/>
+            </a:pPr>
+            <a:r>
+              <a:rPr lang="en-US" sz="4000" b="1" spc="-1" dirty="0" smtClean="0">
+                <a:solidFill>
+                  <a:srgbClr val="C00000"/>
+                </a:solidFill>
+                <a:uFill>
+                  <a:solidFill>
+                    <a:srgbClr val="FFFFFF"/>
+                  </a:solidFill>
+                </a:uFill>
+                <a:latin typeface="Calibri"/>
+              </a:rPr>
+              <a:t>Iteration 2: Your Final Product</a:t>
+            </a:r>
+            <a:endParaRPr lang="en-US" spc="-1" dirty="0">
+              <a:solidFill>
+                <a:srgbClr val="000000"/>
+              </a:solidFill>
+              <a:uFill>
+                <a:solidFill>
+                  <a:srgbClr val="FFFFFF"/>
+                </a:solidFill>
+              </a:uFill>
+              <a:latin typeface="Calibri"/>
+            </a:endParaRPr>
+          </a:p>
+        </p:txBody>
+      </p:sp>
+      <p:sp>
+        <p:nvSpPr>
+          <p:cNvPr id="8" name="TextShape 2"/>
+          <p:cNvSpPr txBox="1"/>
+          <p:nvPr/>
+        </p:nvSpPr>
+        <p:spPr>
+          <a:xfrm>
+            <a:off x="457200" y="1524000"/>
+            <a:ext cx="8229600" cy="4495800"/>
+          </a:xfrm>
+          <a:prstGeom prst="rect">
+            <a:avLst/>
+          </a:prstGeom>
+          <a:noFill/>
+          <a:ln w="9360">
+            <a:noFill/>
+          </a:ln>
+        </p:spPr>
+        <p:txBody>
+          <a:bodyPr/>
+          <a:lstStyle/>
+          <a:p>
+            <a:pPr marL="342900" indent="-342900">
+              <a:buFont typeface="Arial" panose="020B0604020202020204" pitchFamily="34" charset="0"/>
+              <a:buChar char="•"/>
+            </a:pPr>
+            <a:r>
+              <a:rPr lang="en-US" sz="2400" b="1" i="0" dirty="0" smtClean="0">
+                <a:solidFill>
+                  <a:srgbClr val="002060"/>
+                </a:solidFill>
+              </a:rPr>
+              <a:t>By December 6:</a:t>
+            </a:r>
+            <a:r>
+              <a:rPr lang="en-US" sz="2400" i="0" dirty="0" smtClean="0">
+                <a:solidFill>
+                  <a:srgbClr val="002060"/>
+                </a:solidFill>
+              </a:rPr>
+              <a:t> Update your existing project in a live (production system or similar). </a:t>
+            </a:r>
+            <a:r>
+              <a:rPr lang="en-US" sz="2400" i="0" dirty="0">
+                <a:solidFill>
+                  <a:srgbClr val="002060"/>
+                </a:solidFill>
+              </a:rPr>
+              <a:t/>
+            </a:r>
+            <a:br>
+              <a:rPr lang="en-US" sz="2400" i="0" dirty="0">
+                <a:solidFill>
+                  <a:srgbClr val="002060"/>
+                </a:solidFill>
+              </a:rPr>
+            </a:br>
+            <a:r>
+              <a:rPr lang="en-US" sz="2400" i="0" dirty="0" smtClean="0">
+                <a:solidFill>
+                  <a:srgbClr val="002060"/>
+                </a:solidFill>
+              </a:rPr>
+              <a:t>Actively involve your stakeholders.</a:t>
+            </a:r>
+          </a:p>
+          <a:p>
+            <a:pPr marL="342900" indent="-342900">
+              <a:buFont typeface="Arial" panose="020B0604020202020204" pitchFamily="34" charset="0"/>
+              <a:buChar char="•"/>
+            </a:pPr>
+            <a:r>
+              <a:rPr lang="en-US" sz="2400" i="0" dirty="0" smtClean="0">
+                <a:solidFill>
+                  <a:srgbClr val="002060"/>
+                </a:solidFill>
+              </a:rPr>
+              <a:t>Arrange a meeting with me</a:t>
+            </a:r>
+          </a:p>
+          <a:p>
+            <a:pPr marL="1085850" lvl="1" indent="-342900">
+              <a:buFont typeface="Arial" panose="020B0604020202020204" pitchFamily="34" charset="0"/>
+              <a:buChar char="•"/>
+            </a:pPr>
+            <a:r>
+              <a:rPr lang="en-US" sz="2400" i="0" dirty="0" smtClean="0">
+                <a:solidFill>
+                  <a:srgbClr val="002060"/>
+                </a:solidFill>
+              </a:rPr>
+              <a:t>More code inspections</a:t>
+            </a:r>
+          </a:p>
+          <a:p>
+            <a:pPr marL="1085850" lvl="1" indent="-342900">
+              <a:buFont typeface="Arial" panose="020B0604020202020204" pitchFamily="34" charset="0"/>
+              <a:buChar char="•"/>
+            </a:pPr>
+            <a:r>
+              <a:rPr lang="en-US" sz="2400" i="0" dirty="0" smtClean="0">
+                <a:solidFill>
+                  <a:srgbClr val="002060"/>
+                </a:solidFill>
+              </a:rPr>
+              <a:t>Your validation and metrics.</a:t>
+            </a:r>
+          </a:p>
+          <a:p>
+            <a:pPr marL="1085850" lvl="1" indent="-342900">
+              <a:buFont typeface="Arial" panose="020B0604020202020204" pitchFamily="34" charset="0"/>
+              <a:buChar char="•"/>
+            </a:pPr>
+            <a:r>
+              <a:rPr lang="en-US" sz="2400" i="0" dirty="0" smtClean="0">
+                <a:solidFill>
+                  <a:srgbClr val="002060"/>
+                </a:solidFill>
+              </a:rPr>
+              <a:t>Your unit tests, functional tests, acceptance/regression tests.</a:t>
+            </a:r>
+          </a:p>
+          <a:p>
+            <a:pPr marL="1085850" lvl="1" indent="-342900">
+              <a:buFont typeface="Arial" panose="020B0604020202020204" pitchFamily="34" charset="0"/>
+              <a:buChar char="•"/>
+            </a:pPr>
+            <a:endParaRPr lang="en-US" sz="2400" i="0" dirty="0">
+              <a:solidFill>
+                <a:srgbClr val="002060"/>
+              </a:solidFill>
+            </a:endParaRPr>
+          </a:p>
+        </p:txBody>
+      </p:sp>
+    </p:spTree>
+    <p:extLst>
+      <p:ext uri="{BB962C8B-B14F-4D97-AF65-F5344CB8AC3E}">
+        <p14:creationId xmlns:p14="http://schemas.microsoft.com/office/powerpoint/2010/main" val="1828556652"/>
+      </p:ext>
+    </p:extLst>
+  </p:cSld>
+  <p:clrMapOvr>
+    <a:masterClrMapping/>
+  </p:clrMapOvr>
+  <p:timing>
+    <p:tnLst>
+      <p:par>
+        <p:cTn id="1" dur="indefinite" restart="never" nodeType="tmRoot">
+          <p:childTnLst>
+            <p:seq>
+              <p:cTn id="2" nodeType="mainSeq"/>
+              <p:prevCondLst>
+                <p:cond evt="onPrev" delay="0">
+                  <p:tgtEl>
+                    <p:sldTgt/>
+                  </p:tgtEl>
+                </p:cond>
+              </p:prevCondLst>
+              <p:nextCondLst>
+                <p:cond evt="onNext" delay="0">
+                  <p:tgtEl>
+                    <p:sldTgt/>
+                  </p:tgtEl>
+                </p:cond>
+              </p:nextCondLst>
+            </p:seq>
+          </p:childTnLst>
+        </p:cTn>
+      </p:par>
+    </p:tnLst>
+  </p:timing>
+</p:sld>
+</file>
+
+<file path=ppt/slides/slide8.xml><?xml version="1.0" encoding="utf-8"?>
+<p:sld xmlns:a="http://schemas.openxmlformats.org/drawingml/2006/main" xmlns:r="http://schemas.openxmlformats.org/officeDocument/2006/relationships" xmlns:p="http://schemas.openxmlformats.org/presentationml/2006/main">
+  <p:cSld>
+    <p:spTree>
+      <p:nvGrpSpPr>
+        <p:cNvPr id="1" name=""/>
+        <p:cNvGrpSpPr/>
+        <p:nvPr/>
+      </p:nvGrpSpPr>
+      <p:grpSpPr>
+        <a:xfrm>
+          <a:off x="0" y="0"/>
+          <a:ext cx="0" cy="0"/>
+          <a:chOff x="0" y="0"/>
+          <a:chExt cx="0" cy="0"/>
+        </a:xfrm>
+      </p:grpSpPr>
+      <p:sp>
+        <p:nvSpPr>
+          <p:cNvPr id="86" name="TextShape 1"/>
+          <p:cNvSpPr txBox="1"/>
+          <p:nvPr/>
+        </p:nvSpPr>
+        <p:spPr>
+          <a:xfrm>
+            <a:off x="457200" y="274638"/>
+            <a:ext cx="8229600" cy="1143000"/>
+          </a:xfrm>
+          <a:prstGeom prst="rect">
+            <a:avLst/>
+          </a:prstGeom>
+          <a:noFill/>
+          <a:ln w="9360">
+            <a:noFill/>
+          </a:ln>
+        </p:spPr>
+        <p:txBody>
+          <a:bodyPr anchor="ctr"/>
+          <a:lstStyle/>
+          <a:p>
+            <a:pPr>
+              <a:defRPr/>
+            </a:pPr>
+            <a:r>
+              <a:rPr lang="lv-LV" sz="4000" b="1" spc="-1" dirty="0">
+                <a:solidFill>
+                  <a:srgbClr val="C00000"/>
+                </a:solidFill>
+                <a:uFill>
+                  <a:solidFill>
+                    <a:srgbClr val="FFFFFF"/>
+                  </a:solidFill>
+                </a:uFill>
+                <a:latin typeface="Calibri"/>
+              </a:rPr>
+              <a:t>What is CMM</a:t>
+            </a:r>
+            <a:endParaRPr lang="en-US" spc="-1" dirty="0">
+              <a:solidFill>
+                <a:srgbClr val="000000"/>
+              </a:solidFill>
+              <a:uFill>
+                <a:solidFill>
+                  <a:srgbClr val="FFFFFF"/>
+                </a:solidFill>
+              </a:uFill>
+              <a:latin typeface="Calibri"/>
+            </a:endParaRPr>
+          </a:p>
+        </p:txBody>
+      </p:sp>
+      <p:sp>
+        <p:nvSpPr>
+          <p:cNvPr id="8" name="TextShape 2"/>
+          <p:cNvSpPr txBox="1"/>
+          <p:nvPr/>
+        </p:nvSpPr>
+        <p:spPr>
+          <a:xfrm>
+            <a:off x="457200" y="1524000"/>
+            <a:ext cx="8229600" cy="4495800"/>
+          </a:xfrm>
+          <a:prstGeom prst="rect">
+            <a:avLst/>
+          </a:prstGeom>
+          <a:noFill/>
+          <a:ln w="9360">
+            <a:noFill/>
+          </a:ln>
+        </p:spPr>
+        <p:txBody>
+          <a:bodyPr/>
+          <a:lstStyle/>
+          <a:p>
             <a:pPr marL="457560" indent="-457200">
               <a:spcBef>
                 <a:spcPts val="641"/>
@@ -14263,16 +17969,6 @@
               </a:rPr>
               <a:t>the software creation processes</a:t>
             </a:r>
-            <a:endParaRPr lang="en-US" sz="3200" spc="-1" dirty="0">
-              <a:solidFill>
-                <a:srgbClr val="002060"/>
-              </a:solidFill>
-              <a:uFill>
-                <a:solidFill>
-                  <a:srgbClr val="FFFFFF"/>
-                </a:solidFill>
-              </a:uFill>
-            </a:endParaRPr>
           </a:p>
         </p:txBody>
       </p:sp>
@@ -14311,7 +18007,7 @@
 </p:sld>
 </file>
 
-<file path=ppt/slides/slide3.xml><?xml version="1.0" encoding="utf-8"?>
+<file path=ppt/slides/slide9.xml><?xml version="1.0" encoding="utf-8"?>
 <p:sld xmlns:a="http://schemas.openxmlformats.org/drawingml/2006/main" xmlns:r="http://schemas.openxmlformats.org/officeDocument/2006/relationships" xmlns:p="http://schemas.openxmlformats.org/presentationml/2006/main">
   <p:cSld>
     <p:spTree>
@@ -16601,1652 +20297,6 @@
           </a:p>
         </p:txBody>
       </p:sp>
-    </p:spTree>
-  </p:cSld>
-  <p:clrMapOvr>
-    <a:masterClrMapping/>
-  </p:clrMapOvr>
-  <p:timing>
-    <p:tnLst>
-      <p:par>
-        <p:cTn id="1" dur="indefinite" restart="never" nodeType="tmRoot">
-          <p:childTnLst>
-            <p:seq>
-              <p:cTn id="2" nodeType="mainSeq"/>
-              <p:prevCondLst>
-                <p:cond evt="onPrev" delay="0">
-                  <p:tgtEl>
-                    <p:sldTgt/>
-                  </p:tgtEl>
-                </p:cond>
-              </p:prevCondLst>
-              <p:nextCondLst>
-                <p:cond evt="onNext" delay="0">
-                  <p:tgtEl>
-                    <p:sldTgt/>
-                  </p:tgtEl>
-                </p:cond>
-              </p:nextCondLst>
-            </p:seq>
-          </p:childTnLst>
-        </p:cTn>
-      </p:par>
-    </p:tnLst>
-  </p:timing>
-</p:sld>
-</file>
-
-<file path=ppt/slides/slide4.xml><?xml version="1.0" encoding="utf-8"?>
-<p:sld xmlns:a="http://schemas.openxmlformats.org/drawingml/2006/main" xmlns:r="http://schemas.openxmlformats.org/officeDocument/2006/relationships" xmlns:p="http://schemas.openxmlformats.org/presentationml/2006/main">
-  <p:cSld>
-    <p:spTree>
-      <p:nvGrpSpPr>
-        <p:cNvPr id="1" name=""/>
-        <p:cNvGrpSpPr/>
-        <p:nvPr/>
-      </p:nvGrpSpPr>
-      <p:grpSpPr>
-        <a:xfrm>
-          <a:off x="0" y="0"/>
-          <a:ext cx="0" cy="0"/>
-          <a:chOff x="0" y="0"/>
-          <a:chExt cx="0" cy="0"/>
-        </a:xfrm>
-      </p:grpSpPr>
-      <p:sp>
-        <p:nvSpPr>
-          <p:cNvPr id="8194" name="Rectangle 2"/>
-          <p:cNvSpPr>
-            <a:spLocks noGrp="1" noChangeArrowheads="1"/>
-          </p:cNvSpPr>
-          <p:nvPr>
-            <p:ph type="title"/>
-          </p:nvPr>
-        </p:nvSpPr>
-        <p:spPr>
-          <a:xfrm>
-            <a:off x="228600" y="685800"/>
-            <a:ext cx="7102475" cy="474663"/>
-          </a:xfrm>
-        </p:spPr>
-        <p:txBody>
-          <a:bodyPr/>
-          <a:lstStyle/>
-          <a:p>
-            <a:r>
-              <a:rPr lang="en-US" altLang="lv-LV" smtClean="0"/>
-              <a:t>Capability Levels</a:t>
-            </a:r>
-          </a:p>
-        </p:txBody>
-      </p:sp>
-      <p:sp>
-        <p:nvSpPr>
-          <p:cNvPr id="8195" name="Rectangle 3"/>
-          <p:cNvSpPr>
-            <a:spLocks noGrp="1" noChangeArrowheads="1"/>
-          </p:cNvSpPr>
-          <p:nvPr>
-            <p:ph type="body" idx="1"/>
-          </p:nvPr>
-        </p:nvSpPr>
-        <p:spPr>
-          <a:xfrm>
-            <a:off x="446088" y="1428750"/>
-            <a:ext cx="8145462" cy="4960938"/>
-          </a:xfrm>
-        </p:spPr>
-        <p:txBody>
-          <a:bodyPr/>
-          <a:lstStyle/>
-          <a:p>
-            <a:pPr>
-              <a:buFont typeface="Arial" panose="020B0604020202020204" pitchFamily="34" charset="0"/>
-              <a:buChar char="•"/>
-            </a:pPr>
-            <a:r>
-              <a:rPr lang="en-US" altLang="lv-LV" sz="2400" smtClean="0">
-                <a:solidFill>
-                  <a:schemeClr val="tx1"/>
-                </a:solidFill>
-              </a:rPr>
-              <a:t>A capability level is a well-defined evolutionary plateau describing the organization’s capability in a process area.</a:t>
-            </a:r>
-          </a:p>
-          <a:p>
-            <a:pPr>
-              <a:buFont typeface="Arial" panose="020B0604020202020204" pitchFamily="34" charset="0"/>
-              <a:buChar char="•"/>
-            </a:pPr>
-            <a:r>
-              <a:rPr lang="en-US" altLang="lv-LV" sz="2400" smtClean="0">
-                <a:solidFill>
-                  <a:schemeClr val="tx1"/>
-                </a:solidFill>
-              </a:rPr>
-              <a:t>There are 5 capability levels.</a:t>
-            </a:r>
-          </a:p>
-          <a:p>
-            <a:pPr>
-              <a:buFont typeface="Arial" panose="020B0604020202020204" pitchFamily="34" charset="0"/>
-              <a:buChar char="•"/>
-            </a:pPr>
-            <a:r>
-              <a:rPr lang="en-US" altLang="lv-LV" sz="2400" smtClean="0">
-                <a:solidFill>
-                  <a:schemeClr val="tx1"/>
-                </a:solidFill>
-              </a:rPr>
-              <a:t>For capability levels 1-5, there is an associated generic goal.</a:t>
-            </a:r>
-          </a:p>
-          <a:p>
-            <a:pPr>
-              <a:buFont typeface="Arial" panose="020B0604020202020204" pitchFamily="34" charset="0"/>
-              <a:buChar char="•"/>
-            </a:pPr>
-            <a:r>
-              <a:rPr lang="en-US" altLang="lv-LV" sz="2400" smtClean="0">
-                <a:solidFill>
-                  <a:schemeClr val="tx1"/>
-                </a:solidFill>
-              </a:rPr>
-              <a:t>Each level is a layer in the foundation for continuous process improvement.</a:t>
-            </a:r>
-          </a:p>
-          <a:p>
-            <a:pPr>
-              <a:buFont typeface="Arial" panose="020B0604020202020204" pitchFamily="34" charset="0"/>
-              <a:buChar char="•"/>
-            </a:pPr>
-            <a:r>
-              <a:rPr lang="en-US" altLang="lv-LV" sz="2400" smtClean="0">
-                <a:solidFill>
-                  <a:schemeClr val="tx1"/>
-                </a:solidFill>
-              </a:rPr>
-              <a:t>Thus, capability levels are cumulative, i.e., a higher capability level includes the attributes of the lower levels.</a:t>
-            </a:r>
-          </a:p>
-        </p:txBody>
-      </p:sp>
-      <p:sp>
-        <p:nvSpPr>
-          <p:cNvPr id="5" name="TextShape 1"/>
-          <p:cNvSpPr txBox="1"/>
-          <p:nvPr/>
-        </p:nvSpPr>
-        <p:spPr>
-          <a:xfrm>
-            <a:off x="457200" y="274638"/>
-            <a:ext cx="8229600" cy="1143000"/>
-          </a:xfrm>
-          <a:prstGeom prst="rect">
-            <a:avLst/>
-          </a:prstGeom>
-          <a:noFill/>
-          <a:ln w="9360">
-            <a:noFill/>
-          </a:ln>
-        </p:spPr>
-        <p:txBody>
-          <a:bodyPr anchor="ctr"/>
-          <a:lstStyle/>
-          <a:p>
-            <a:pPr>
-              <a:defRPr/>
-            </a:pPr>
-            <a:r>
-              <a:rPr lang="en-US" sz="4000" b="1" spc="-1" dirty="0">
-                <a:solidFill>
-                  <a:srgbClr val="C00000"/>
-                </a:solidFill>
-                <a:uFill>
-                  <a:solidFill>
-                    <a:srgbClr val="FFFFFF"/>
-                  </a:solidFill>
-                </a:uFill>
-                <a:latin typeface="Calibri"/>
-              </a:rPr>
-              <a:t>CMM Levels</a:t>
-            </a:r>
-            <a:endParaRPr lang="en-US" spc="-1" dirty="0">
-              <a:solidFill>
-                <a:srgbClr val="000000"/>
-              </a:solidFill>
-              <a:uFill>
-                <a:solidFill>
-                  <a:srgbClr val="FFFFFF"/>
-                </a:solidFill>
-              </a:uFill>
-              <a:latin typeface="Calibri"/>
-            </a:endParaRPr>
-          </a:p>
-        </p:txBody>
-      </p:sp>
-    </p:spTree>
-  </p:cSld>
-  <p:clrMapOvr>
-    <a:masterClrMapping/>
-  </p:clrMapOvr>
-  <p:transition/>
-  <p:timing>
-    <p:tnLst>
-      <p:par>
-        <p:cTn id="1" dur="indefinite" restart="never" nodeType="tmRoot"/>
-      </p:par>
-    </p:tnLst>
-  </p:timing>
-</p:sld>
-</file>
-
-<file path=ppt/slides/slide5.xml><?xml version="1.0" encoding="utf-8"?>
-<p:sld xmlns:a="http://schemas.openxmlformats.org/drawingml/2006/main" xmlns:r="http://schemas.openxmlformats.org/officeDocument/2006/relationships" xmlns:p="http://schemas.openxmlformats.org/presentationml/2006/main">
-  <p:cSld>
-    <p:spTree>
-      <p:nvGrpSpPr>
-        <p:cNvPr id="1" name=""/>
-        <p:cNvGrpSpPr/>
-        <p:nvPr/>
-      </p:nvGrpSpPr>
-      <p:grpSpPr>
-        <a:xfrm>
-          <a:off x="0" y="0"/>
-          <a:ext cx="0" cy="0"/>
-          <a:chOff x="0" y="0"/>
-          <a:chExt cx="0" cy="0"/>
-        </a:xfrm>
-      </p:grpSpPr>
-      <p:sp>
-        <p:nvSpPr>
-          <p:cNvPr id="10242" name="Rectangle 2"/>
-          <p:cNvSpPr>
-            <a:spLocks noGrp="1" noChangeArrowheads="1"/>
-          </p:cNvSpPr>
-          <p:nvPr>
-            <p:ph type="title"/>
-          </p:nvPr>
-        </p:nvSpPr>
-        <p:spPr>
-          <a:xfrm>
-            <a:off x="152400" y="304800"/>
-            <a:ext cx="8610600" cy="854075"/>
-          </a:xfrm>
-        </p:spPr>
-        <p:txBody>
-          <a:bodyPr/>
-          <a:lstStyle/>
-          <a:p>
-            <a:r>
-              <a:rPr lang="en-US" altLang="lv-LV" smtClean="0"/>
-              <a:t>Maturity Levels Cannot Be Skipped </a:t>
-            </a:r>
-            <a:r>
-              <a:rPr lang="en-US" altLang="lv-LV" sz="2800" smtClean="0"/>
-              <a:t>It Is Organizationally Impossible</a:t>
-            </a:r>
-          </a:p>
-        </p:txBody>
-      </p:sp>
-      <p:sp>
-        <p:nvSpPr>
-          <p:cNvPr id="10243" name="Rectangle 3"/>
-          <p:cNvSpPr>
-            <a:spLocks noGrp="1" noChangeArrowheads="1"/>
-          </p:cNvSpPr>
-          <p:nvPr>
-            <p:ph type="body" idx="1"/>
-          </p:nvPr>
-        </p:nvSpPr>
-        <p:spPr>
-          <a:xfrm>
-            <a:off x="446088" y="1428750"/>
-            <a:ext cx="8145462" cy="4960938"/>
-          </a:xfrm>
-        </p:spPr>
-        <p:txBody>
-          <a:bodyPr/>
-          <a:lstStyle/>
-          <a:p>
-            <a:pPr>
-              <a:buFont typeface="Arial" panose="020B0604020202020204" pitchFamily="34" charset="0"/>
-              <a:buChar char="•"/>
-            </a:pPr>
-            <a:r>
-              <a:rPr lang="en-US" altLang="lv-LV" sz="2400" smtClean="0">
-                <a:solidFill>
-                  <a:schemeClr val="tx1"/>
-                </a:solidFill>
-              </a:rPr>
-              <a:t>Each maturity level provides a necessary foundation for effective implementation of processes at the next level. </a:t>
-            </a:r>
-          </a:p>
-          <a:p>
-            <a:pPr marL="800100" lvl="1" indent="-342900">
-              <a:buFont typeface="Arial" panose="020B0604020202020204" pitchFamily="34" charset="0"/>
-              <a:buChar char="•"/>
-            </a:pPr>
-            <a:r>
-              <a:rPr lang="en-US" altLang="lv-LV" sz="2400" smtClean="0">
-                <a:solidFill>
-                  <a:schemeClr val="tx1"/>
-                </a:solidFill>
-              </a:rPr>
-              <a:t>Higher level processes have less chance of success without the discipline provided by lower levels.</a:t>
-            </a:r>
-          </a:p>
-          <a:p>
-            <a:pPr marL="800100" lvl="1" indent="-342900">
-              <a:buFont typeface="Arial" panose="020B0604020202020204" pitchFamily="34" charset="0"/>
-              <a:buChar char="•"/>
-            </a:pPr>
-            <a:r>
-              <a:rPr lang="en-US" altLang="lv-LV" sz="2400" smtClean="0">
-                <a:solidFill>
-                  <a:schemeClr val="tx1"/>
-                </a:solidFill>
-              </a:rPr>
-              <a:t>The effect of innovation can be obscured in a </a:t>
-            </a:r>
-            <a:br>
-              <a:rPr lang="en-US" altLang="lv-LV" sz="2400" smtClean="0">
-                <a:solidFill>
-                  <a:schemeClr val="tx1"/>
-                </a:solidFill>
-              </a:rPr>
-            </a:br>
-            <a:r>
-              <a:rPr lang="en-US" altLang="lv-LV" sz="2400" smtClean="0">
-                <a:solidFill>
-                  <a:schemeClr val="tx1"/>
-                </a:solidFill>
-              </a:rPr>
-              <a:t>noisy process.</a:t>
-            </a:r>
-          </a:p>
-          <a:p>
-            <a:pPr>
-              <a:buFont typeface="Arial" panose="020B0604020202020204" pitchFamily="34" charset="0"/>
-              <a:buChar char="•"/>
-            </a:pPr>
-            <a:r>
-              <a:rPr lang="en-US" altLang="lv-LV" sz="2400" smtClean="0">
-                <a:solidFill>
-                  <a:schemeClr val="tx1"/>
-                </a:solidFill>
-              </a:rPr>
-              <a:t>Higher maturity level processes may be performed  by organizations at lower maturity levels, with the risk of not being consistently applied in a crisis.</a:t>
-            </a:r>
-          </a:p>
-        </p:txBody>
-      </p:sp>
-      <p:sp>
-        <p:nvSpPr>
-          <p:cNvPr id="5" name="TextShape 1"/>
-          <p:cNvSpPr txBox="1"/>
-          <p:nvPr/>
-        </p:nvSpPr>
-        <p:spPr>
-          <a:xfrm>
-            <a:off x="457200" y="274638"/>
-            <a:ext cx="8229600" cy="1143000"/>
-          </a:xfrm>
-          <a:prstGeom prst="rect">
-            <a:avLst/>
-          </a:prstGeom>
-          <a:noFill/>
-          <a:ln w="9360">
-            <a:noFill/>
-          </a:ln>
-        </p:spPr>
-        <p:txBody>
-          <a:bodyPr anchor="ctr"/>
-          <a:lstStyle/>
-          <a:p>
-            <a:pPr>
-              <a:defRPr/>
-            </a:pPr>
-            <a:r>
-              <a:rPr lang="en-US" sz="4000" b="1" spc="-1" dirty="0">
-                <a:solidFill>
-                  <a:srgbClr val="C00000"/>
-                </a:solidFill>
-                <a:uFill>
-                  <a:solidFill>
-                    <a:srgbClr val="FFFFFF"/>
-                  </a:solidFill>
-                </a:uFill>
-                <a:latin typeface="Calibri"/>
-              </a:rPr>
-              <a:t>Maturity Levels Cannot be Skipped</a:t>
-            </a:r>
-            <a:endParaRPr lang="en-US" spc="-1" dirty="0">
-              <a:solidFill>
-                <a:srgbClr val="000000"/>
-              </a:solidFill>
-              <a:uFill>
-                <a:solidFill>
-                  <a:srgbClr val="FFFFFF"/>
-                </a:solidFill>
-              </a:uFill>
-              <a:latin typeface="Calibri"/>
-            </a:endParaRPr>
-          </a:p>
-        </p:txBody>
-      </p:sp>
-    </p:spTree>
-  </p:cSld>
-  <p:clrMapOvr>
-    <a:masterClrMapping/>
-  </p:clrMapOvr>
-  <p:timing>
-    <p:tnLst>
-      <p:par>
-        <p:cTn id="1" dur="indefinite" restart="never" nodeType="tmRoot"/>
-      </p:par>
-    </p:tnLst>
-  </p:timing>
-</p:sld>
-</file>
-
-<file path=ppt/slides/slide6.xml><?xml version="1.0" encoding="utf-8"?>
-<p:sld xmlns:a="http://schemas.openxmlformats.org/drawingml/2006/main" xmlns:r="http://schemas.openxmlformats.org/officeDocument/2006/relationships" xmlns:p="http://schemas.openxmlformats.org/presentationml/2006/main">
-  <p:cSld>
-    <p:spTree>
-      <p:nvGrpSpPr>
-        <p:cNvPr id="1" name=""/>
-        <p:cNvGrpSpPr/>
-        <p:nvPr/>
-      </p:nvGrpSpPr>
-      <p:grpSpPr>
-        <a:xfrm>
-          <a:off x="0" y="0"/>
-          <a:ext cx="0" cy="0"/>
-          <a:chOff x="0" y="0"/>
-          <a:chExt cx="0" cy="0"/>
-        </a:xfrm>
-      </p:grpSpPr>
-      <p:sp>
-        <p:nvSpPr>
-          <p:cNvPr id="86" name="TextShape 1"/>
-          <p:cNvSpPr txBox="1"/>
-          <p:nvPr/>
-        </p:nvSpPr>
-        <p:spPr>
-          <a:xfrm>
-            <a:off x="457200" y="274638"/>
-            <a:ext cx="8229600" cy="1143000"/>
-          </a:xfrm>
-          <a:prstGeom prst="rect">
-            <a:avLst/>
-          </a:prstGeom>
-          <a:noFill/>
-          <a:ln w="9360">
-            <a:noFill/>
-          </a:ln>
-        </p:spPr>
-        <p:txBody>
-          <a:bodyPr anchor="ctr"/>
-          <a:lstStyle/>
-          <a:p>
-            <a:pPr>
-              <a:defRPr/>
-            </a:pPr>
-            <a:r>
-              <a:rPr lang="lv-LV" sz="4000" b="1" spc="-1" dirty="0">
-                <a:solidFill>
-                  <a:srgbClr val="C00000"/>
-                </a:solidFill>
-                <a:uFill>
-                  <a:solidFill>
-                    <a:srgbClr val="FFFFFF"/>
-                  </a:solidFill>
-                </a:uFill>
-                <a:latin typeface="Calibri"/>
-              </a:rPr>
-              <a:t>Soccer Teams: Amateur/Professional</a:t>
-            </a:r>
-            <a:endParaRPr lang="en-US" spc="-1" dirty="0">
-              <a:solidFill>
-                <a:srgbClr val="000000"/>
-              </a:solidFill>
-              <a:uFill>
-                <a:solidFill>
-                  <a:srgbClr val="FFFFFF"/>
-                </a:solidFill>
-              </a:uFill>
-              <a:latin typeface="Calibri"/>
-            </a:endParaRPr>
-          </a:p>
-        </p:txBody>
-      </p:sp>
-      <p:sp>
-        <p:nvSpPr>
-          <p:cNvPr id="12291" name="Content Placeholder 3"/>
-          <p:cNvSpPr>
-            <a:spLocks noGrp="1"/>
-          </p:cNvSpPr>
-          <p:nvPr>
-            <p:ph sz="half" idx="2"/>
-          </p:nvPr>
-        </p:nvSpPr>
-        <p:spPr>
-          <a:xfrm>
-            <a:off x="457200" y="1535113"/>
-            <a:ext cx="4040188" cy="4591050"/>
-          </a:xfrm>
-        </p:spPr>
-        <p:txBody>
-          <a:bodyPr/>
-          <a:lstStyle/>
-          <a:p>
-            <a:pPr marL="0" indent="0">
-              <a:buFont typeface="Arial" panose="020B0604020202020204" pitchFamily="34" charset="0"/>
-              <a:buChar char="•"/>
-            </a:pPr>
-            <a:r>
-              <a:rPr lang="en-US" altLang="lv-LV" smtClean="0">
-                <a:solidFill>
-                  <a:schemeClr val="tx1"/>
-                </a:solidFill>
-              </a:rPr>
-              <a:t>Everyone runs around at random. </a:t>
-            </a:r>
-          </a:p>
-          <a:p>
-            <a:pPr marL="0" indent="0">
-              <a:buFont typeface="Arial" panose="020B0604020202020204" pitchFamily="34" charset="0"/>
-              <a:buChar char="•"/>
-            </a:pPr>
-            <a:r>
-              <a:rPr lang="en-US" altLang="lv-LV" smtClean="0">
-                <a:solidFill>
-                  <a:schemeClr val="tx1"/>
-                </a:solidFill>
-              </a:rPr>
-              <a:t>They might do the right thing, or they might not.</a:t>
-            </a:r>
-          </a:p>
-          <a:p>
-            <a:pPr marL="0" indent="0">
-              <a:buFont typeface="Arial" panose="020B0604020202020204" pitchFamily="34" charset="0"/>
-              <a:buChar char="•"/>
-            </a:pPr>
-            <a:r>
-              <a:rPr lang="en-US" altLang="lv-LV" smtClean="0">
-                <a:solidFill>
-                  <a:schemeClr val="tx1"/>
-                </a:solidFill>
-              </a:rPr>
-              <a:t>The next time the ball is hit in the same place, they may do something different.</a:t>
-            </a:r>
-          </a:p>
-          <a:p>
-            <a:pPr marL="0" indent="0">
-              <a:buFont typeface="Arial" panose="020B0604020202020204" pitchFamily="34" charset="0"/>
-              <a:buChar char="•"/>
-            </a:pPr>
-            <a:endParaRPr lang="lv-LV" altLang="lv-LV" smtClean="0">
-              <a:solidFill>
-                <a:schemeClr val="tx1"/>
-              </a:solidFill>
-            </a:endParaRPr>
-          </a:p>
-        </p:txBody>
-      </p:sp>
-      <p:sp>
-        <p:nvSpPr>
-          <p:cNvPr id="12292" name="Content Placeholder 5"/>
-          <p:cNvSpPr>
-            <a:spLocks noGrp="1"/>
-          </p:cNvSpPr>
-          <p:nvPr>
-            <p:ph sz="quarter" idx="4"/>
-          </p:nvPr>
-        </p:nvSpPr>
-        <p:spPr>
-          <a:xfrm>
-            <a:off x="4645025" y="1535113"/>
-            <a:ext cx="4041775" cy="4591050"/>
-          </a:xfrm>
-        </p:spPr>
-        <p:txBody>
-          <a:bodyPr/>
-          <a:lstStyle/>
-          <a:p>
-            <a:pPr marL="0" indent="0">
-              <a:buFont typeface="Arial" panose="020B0604020202020204" pitchFamily="34" charset="0"/>
-              <a:buChar char="•"/>
-            </a:pPr>
-            <a:r>
-              <a:rPr lang="en-US" altLang="lv-LV" smtClean="0">
-                <a:solidFill>
-                  <a:schemeClr val="tx1"/>
-                </a:solidFill>
-              </a:rPr>
-              <a:t>Everyone moves in a coordinated fashion, based on practicing their tactics many times.</a:t>
-            </a:r>
-          </a:p>
-          <a:p>
-            <a:pPr marL="0" indent="0">
-              <a:buFont typeface="Arial" panose="020B0604020202020204" pitchFamily="34" charset="0"/>
-              <a:buChar char="•"/>
-            </a:pPr>
-            <a:r>
-              <a:rPr lang="en-US" altLang="lv-LV" smtClean="0">
-                <a:solidFill>
-                  <a:schemeClr val="tx1"/>
-                </a:solidFill>
-              </a:rPr>
-              <a:t>Sometimes they fail to make the right play, but they almost always try to do the right thing.</a:t>
-            </a:r>
-          </a:p>
-        </p:txBody>
-      </p:sp>
-    </p:spTree>
-  </p:cSld>
-  <p:clrMapOvr>
-    <a:masterClrMapping/>
-  </p:clrMapOvr>
-  <p:timing>
-    <p:tnLst>
-      <p:par>
-        <p:cTn id="1" dur="indefinite" restart="never" nodeType="tmRoot">
-          <p:childTnLst>
-            <p:seq>
-              <p:cTn id="2" nodeType="mainSeq"/>
-              <p:prevCondLst>
-                <p:cond evt="onPrev" delay="0">
-                  <p:tgtEl>
-                    <p:sldTgt/>
-                  </p:tgtEl>
-                </p:cond>
-              </p:prevCondLst>
-              <p:nextCondLst>
-                <p:cond evt="onNext" delay="0">
-                  <p:tgtEl>
-                    <p:sldTgt/>
-                  </p:tgtEl>
-                </p:cond>
-              </p:nextCondLst>
-            </p:seq>
-          </p:childTnLst>
-        </p:cTn>
-      </p:par>
-    </p:tnLst>
-  </p:timing>
-</p:sld>
-</file>
-
-<file path=ppt/slides/slide7.xml><?xml version="1.0" encoding="utf-8"?>
-<p:sld xmlns:a="http://schemas.openxmlformats.org/drawingml/2006/main" xmlns:r="http://schemas.openxmlformats.org/officeDocument/2006/relationships" xmlns:p="http://schemas.openxmlformats.org/presentationml/2006/main">
-  <p:cSld>
-    <p:spTree>
-      <p:nvGrpSpPr>
-        <p:cNvPr id="1" name=""/>
-        <p:cNvGrpSpPr/>
-        <p:nvPr/>
-      </p:nvGrpSpPr>
-      <p:grpSpPr>
-        <a:xfrm>
-          <a:off x="0" y="0"/>
-          <a:ext cx="0" cy="0"/>
-          <a:chOff x="0" y="0"/>
-          <a:chExt cx="0" cy="0"/>
-        </a:xfrm>
-      </p:grpSpPr>
-      <p:sp>
-        <p:nvSpPr>
-          <p:cNvPr id="86" name="TextShape 1"/>
-          <p:cNvSpPr txBox="1"/>
-          <p:nvPr/>
-        </p:nvSpPr>
-        <p:spPr>
-          <a:xfrm>
-            <a:off x="457200" y="274638"/>
-            <a:ext cx="8229600" cy="1143000"/>
-          </a:xfrm>
-          <a:prstGeom prst="rect">
-            <a:avLst/>
-          </a:prstGeom>
-          <a:noFill/>
-          <a:ln w="9360">
-            <a:noFill/>
-          </a:ln>
-        </p:spPr>
-        <p:txBody>
-          <a:bodyPr anchor="ctr"/>
-          <a:lstStyle/>
-          <a:p>
-            <a:pPr>
-              <a:defRPr/>
-            </a:pPr>
-            <a:r>
-              <a:rPr lang="lv-LV" sz="4000" b="1" spc="-1" dirty="0">
-                <a:solidFill>
-                  <a:srgbClr val="C00000"/>
-                </a:solidFill>
-                <a:uFill>
-                  <a:solidFill>
-                    <a:srgbClr val="FFFFFF"/>
-                  </a:solidFill>
-                </a:uFill>
-                <a:latin typeface="Calibri"/>
-              </a:rPr>
-              <a:t>Soccer Teams: Amateur/Professional</a:t>
-            </a:r>
-            <a:endParaRPr lang="en-US" spc="-1" dirty="0">
-              <a:solidFill>
-                <a:srgbClr val="000000"/>
-              </a:solidFill>
-              <a:uFill>
-                <a:solidFill>
-                  <a:srgbClr val="FFFFFF"/>
-                </a:solidFill>
-              </a:uFill>
-              <a:latin typeface="Calibri"/>
-            </a:endParaRPr>
-          </a:p>
-        </p:txBody>
-      </p:sp>
-      <p:sp>
-        <p:nvSpPr>
-          <p:cNvPr id="13315" name="Content Placeholder 3"/>
-          <p:cNvSpPr>
-            <a:spLocks noGrp="1"/>
-          </p:cNvSpPr>
-          <p:nvPr>
-            <p:ph sz="half" idx="2"/>
-          </p:nvPr>
-        </p:nvSpPr>
-        <p:spPr>
-          <a:xfrm>
-            <a:off x="457200" y="1535113"/>
-            <a:ext cx="4040188" cy="4591050"/>
-          </a:xfrm>
-        </p:spPr>
-        <p:txBody>
-          <a:bodyPr/>
-          <a:lstStyle/>
-          <a:p>
-            <a:pPr marL="514350" indent="-514350">
-              <a:lnSpc>
-                <a:spcPct val="90000"/>
-              </a:lnSpc>
-              <a:buFont typeface="Arial" panose="020B0604020202020204" pitchFamily="34" charset="0"/>
-              <a:buChar char="•"/>
-            </a:pPr>
-            <a:r>
-              <a:rPr lang="lv-LV" altLang="lv-LV" b="1" smtClean="0">
-                <a:solidFill>
-                  <a:schemeClr val="tx1"/>
-                </a:solidFill>
-              </a:rPr>
-              <a:t>When </a:t>
-            </a:r>
-            <a:r>
-              <a:rPr lang="en-US" altLang="lv-LV" b="1" smtClean="0">
-                <a:solidFill>
-                  <a:schemeClr val="tx1"/>
-                </a:solidFill>
-              </a:rPr>
-              <a:t>the team loses a </a:t>
-            </a:r>
-            <a:r>
-              <a:rPr lang="lv-LV" altLang="lv-LV" b="1" smtClean="0">
-                <a:solidFill>
-                  <a:schemeClr val="tx1"/>
-                </a:solidFill>
-              </a:rPr>
-              <a:t>top</a:t>
-            </a:r>
-            <a:r>
-              <a:rPr lang="en-US" altLang="lv-LV" b="1" smtClean="0">
-                <a:solidFill>
-                  <a:schemeClr val="tx1"/>
-                </a:solidFill>
-              </a:rPr>
-              <a:t> player</a:t>
-            </a:r>
-            <a:r>
-              <a:rPr lang="lv-LV" altLang="lv-LV" b="1" smtClean="0">
-                <a:solidFill>
-                  <a:schemeClr val="tx1"/>
-                </a:solidFill>
-              </a:rPr>
-              <a:t>? </a:t>
-            </a:r>
-            <a:r>
-              <a:rPr lang="lv-LV" altLang="lv-LV" smtClean="0">
-                <a:solidFill>
-                  <a:schemeClr val="tx1"/>
-                </a:solidFill>
-              </a:rPr>
-              <a:t/>
-            </a:r>
-            <a:br>
-              <a:rPr lang="lv-LV" altLang="lv-LV" smtClean="0">
-                <a:solidFill>
-                  <a:schemeClr val="tx1"/>
-                </a:solidFill>
-              </a:rPr>
-            </a:br>
-            <a:r>
-              <a:rPr lang="lv-LV" altLang="lv-LV" smtClean="0">
-                <a:solidFill>
-                  <a:schemeClr val="tx1"/>
-                </a:solidFill>
-              </a:rPr>
-              <a:t>An amateur </a:t>
-            </a:r>
-            <a:r>
-              <a:rPr lang="en-US" altLang="lv-LV" smtClean="0">
-                <a:solidFill>
-                  <a:schemeClr val="tx1"/>
-                </a:solidFill>
-              </a:rPr>
-              <a:t>team </a:t>
-            </a:r>
-            <a:r>
-              <a:rPr lang="lv-LV" altLang="lv-LV" smtClean="0">
-                <a:solidFill>
-                  <a:schemeClr val="tx1"/>
-                </a:solidFill>
-              </a:rPr>
-              <a:t>is likely to get</a:t>
-            </a:r>
-            <a:r>
-              <a:rPr lang="en-US" altLang="lv-LV" smtClean="0">
-                <a:solidFill>
-                  <a:schemeClr val="tx1"/>
-                </a:solidFill>
-              </a:rPr>
-              <a:t> much worse. </a:t>
-            </a:r>
-          </a:p>
-          <a:p>
-            <a:pPr marL="514350" indent="-514350">
-              <a:lnSpc>
-                <a:spcPct val="90000"/>
-              </a:lnSpc>
-              <a:buFont typeface="Arial" panose="020B0604020202020204" pitchFamily="34" charset="0"/>
-              <a:buChar char="•"/>
-            </a:pPr>
-            <a:r>
-              <a:rPr lang="en-US" altLang="lv-LV" b="1" smtClean="0">
-                <a:solidFill>
-                  <a:schemeClr val="tx1"/>
-                </a:solidFill>
-              </a:rPr>
-              <a:t>Self-improvement after a bad play…</a:t>
-            </a:r>
-            <a:r>
-              <a:rPr lang="en-US" altLang="lv-LV" smtClean="0">
-                <a:solidFill>
-                  <a:schemeClr val="tx1"/>
-                </a:solidFill>
-              </a:rPr>
-              <a:t/>
-            </a:r>
-            <a:br>
-              <a:rPr lang="en-US" altLang="lv-LV" smtClean="0">
-                <a:solidFill>
-                  <a:schemeClr val="tx1"/>
-                </a:solidFill>
-              </a:rPr>
-            </a:br>
-            <a:r>
-              <a:rPr lang="en-US" altLang="lv-LV" smtClean="0">
-                <a:solidFill>
-                  <a:schemeClr val="tx1"/>
-                </a:solidFill>
-              </a:rPr>
-              <a:t>Amateur players don’t know what went wrong, or they blame each other.</a:t>
-            </a:r>
-          </a:p>
-        </p:txBody>
-      </p:sp>
-      <p:sp>
-        <p:nvSpPr>
-          <p:cNvPr id="6" name="Content Placeholder 5"/>
-          <p:cNvSpPr>
-            <a:spLocks noGrp="1"/>
-          </p:cNvSpPr>
-          <p:nvPr>
-            <p:ph sz="quarter" idx="4"/>
-          </p:nvPr>
-        </p:nvSpPr>
-        <p:spPr>
-          <a:xfrm>
-            <a:off x="4645025" y="1535113"/>
-            <a:ext cx="4041775" cy="4591050"/>
-          </a:xfrm>
-        </p:spPr>
-        <p:txBody>
-          <a:bodyPr/>
-          <a:lstStyle/>
-          <a:p>
-            <a:pPr marL="457200" indent="-457200">
-              <a:lnSpc>
-                <a:spcPct val="90000"/>
-              </a:lnSpc>
-              <a:buFont typeface="Arial" panose="020B0604020202020204" pitchFamily="34" charset="0"/>
-              <a:buChar char="•"/>
-              <a:defRPr/>
-            </a:pPr>
-            <a:r>
-              <a:rPr lang="lv-LV" b="1" dirty="0">
-                <a:solidFill>
-                  <a:schemeClr val="tx1"/>
-                </a:solidFill>
-              </a:rPr>
-              <a:t>When </a:t>
-            </a:r>
-            <a:r>
-              <a:rPr lang="en-US" b="1" dirty="0">
-                <a:solidFill>
-                  <a:schemeClr val="tx1"/>
-                </a:solidFill>
-              </a:rPr>
-              <a:t>the team loses a </a:t>
-            </a:r>
-            <a:r>
-              <a:rPr lang="lv-LV" b="1" dirty="0">
-                <a:solidFill>
-                  <a:schemeClr val="tx1"/>
-                </a:solidFill>
-              </a:rPr>
-              <a:t>top</a:t>
-            </a:r>
-            <a:r>
-              <a:rPr lang="en-US" b="1" dirty="0">
-                <a:solidFill>
-                  <a:schemeClr val="tx1"/>
-                </a:solidFill>
-              </a:rPr>
-              <a:t> </a:t>
-            </a:r>
-            <a:r>
-              <a:rPr lang="en-US" b="1" dirty="0" smtClean="0">
-                <a:solidFill>
-                  <a:schemeClr val="tx1"/>
-                </a:solidFill>
-              </a:rPr>
-              <a:t>player?</a:t>
-            </a:r>
-            <a:r>
-              <a:rPr lang="lv-LV" b="1" dirty="0" smtClean="0">
-                <a:solidFill>
-                  <a:schemeClr val="tx1"/>
-                </a:solidFill>
-              </a:rPr>
-              <a:t> </a:t>
-            </a:r>
-            <a:r>
-              <a:rPr lang="lv-LV" dirty="0" smtClean="0">
-                <a:solidFill>
-                  <a:schemeClr val="tx1"/>
-                </a:solidFill>
-              </a:rPr>
-              <a:t/>
-            </a:r>
-            <a:br>
-              <a:rPr lang="lv-LV" dirty="0" smtClean="0">
-                <a:solidFill>
-                  <a:schemeClr val="tx1"/>
-                </a:solidFill>
-              </a:rPr>
-            </a:br>
-            <a:r>
-              <a:rPr lang="lv-LV" dirty="0" smtClean="0">
-                <a:solidFill>
-                  <a:schemeClr val="tx1"/>
-                </a:solidFill>
-              </a:rPr>
-              <a:t>A </a:t>
-            </a:r>
-            <a:r>
-              <a:rPr lang="en-US" dirty="0" smtClean="0">
-                <a:solidFill>
-                  <a:schemeClr val="tx1"/>
-                </a:solidFill>
-              </a:rPr>
-              <a:t>Professional </a:t>
-            </a:r>
-            <a:r>
-              <a:rPr lang="en-US" dirty="0">
-                <a:solidFill>
-                  <a:schemeClr val="tx1"/>
-                </a:solidFill>
-              </a:rPr>
-              <a:t>team often has someone waiting to fill in.  </a:t>
-            </a:r>
-            <a:endParaRPr lang="en-US" dirty="0" smtClean="0">
-              <a:solidFill>
-                <a:schemeClr val="tx1"/>
-              </a:solidFill>
-            </a:endParaRPr>
-          </a:p>
-          <a:p>
-            <a:pPr marL="514350" indent="-514350">
-              <a:lnSpc>
-                <a:spcPct val="90000"/>
-              </a:lnSpc>
-              <a:buFont typeface="Arial" panose="020B0604020202020204" pitchFamily="34" charset="0"/>
-              <a:buChar char="•"/>
-              <a:defRPr/>
-            </a:pPr>
-            <a:r>
-              <a:rPr lang="en-US" b="1" dirty="0">
-                <a:solidFill>
-                  <a:schemeClr val="tx1"/>
-                </a:solidFill>
-              </a:rPr>
-              <a:t>Self-improvement after a bad </a:t>
-            </a:r>
-            <a:r>
-              <a:rPr lang="en-US" b="1" dirty="0" smtClean="0">
-                <a:solidFill>
-                  <a:schemeClr val="tx1"/>
-                </a:solidFill>
-              </a:rPr>
-              <a:t>play…</a:t>
-            </a:r>
-            <a:r>
-              <a:rPr lang="en-US" dirty="0" smtClean="0">
-                <a:solidFill>
-                  <a:schemeClr val="tx1"/>
-                </a:solidFill>
-              </a:rPr>
-              <a:t/>
-            </a:r>
-            <a:br>
-              <a:rPr lang="en-US" dirty="0" smtClean="0">
-                <a:solidFill>
-                  <a:schemeClr val="tx1"/>
-                </a:solidFill>
-              </a:rPr>
-            </a:br>
-            <a:r>
-              <a:rPr lang="en-US" dirty="0" smtClean="0">
-                <a:solidFill>
-                  <a:schemeClr val="tx1"/>
-                </a:solidFill>
-              </a:rPr>
-              <a:t>Professional </a:t>
-            </a:r>
-            <a:r>
-              <a:rPr lang="en-US" dirty="0">
-                <a:solidFill>
-                  <a:schemeClr val="tx1"/>
-                </a:solidFill>
-              </a:rPr>
-              <a:t>teams discuss their play and look for ways to improve. </a:t>
-            </a:r>
-          </a:p>
-          <a:p>
-            <a:pPr marL="457200" indent="-457200">
-              <a:lnSpc>
-                <a:spcPct val="90000"/>
-              </a:lnSpc>
-              <a:buFont typeface="Arial" panose="020B0604020202020204" pitchFamily="34" charset="0"/>
-              <a:buChar char="•"/>
-              <a:defRPr/>
-            </a:pPr>
-            <a:endParaRPr lang="en-US" dirty="0">
-              <a:solidFill>
-                <a:schemeClr val="tx1"/>
-              </a:solidFill>
-            </a:endParaRPr>
-          </a:p>
-        </p:txBody>
-      </p:sp>
-    </p:spTree>
-  </p:cSld>
-  <p:clrMapOvr>
-    <a:masterClrMapping/>
-  </p:clrMapOvr>
-  <p:timing>
-    <p:tnLst>
-      <p:par>
-        <p:cTn id="1" dur="indefinite" restart="never" nodeType="tmRoot">
-          <p:childTnLst>
-            <p:seq>
-              <p:cTn id="2" nodeType="mainSeq"/>
-              <p:prevCondLst>
-                <p:cond evt="onPrev" delay="0">
-                  <p:tgtEl>
-                    <p:sldTgt/>
-                  </p:tgtEl>
-                </p:cond>
-              </p:prevCondLst>
-              <p:nextCondLst>
-                <p:cond evt="onNext" delay="0">
-                  <p:tgtEl>
-                    <p:sldTgt/>
-                  </p:tgtEl>
-                </p:cond>
-              </p:nextCondLst>
-            </p:seq>
-          </p:childTnLst>
-        </p:cTn>
-      </p:par>
-    </p:tnLst>
-  </p:timing>
-</p:sld>
-</file>
-
-<file path=ppt/slides/slide8.xml><?xml version="1.0" encoding="utf-8"?>
-<p:sld xmlns:a="http://schemas.openxmlformats.org/drawingml/2006/main" xmlns:r="http://schemas.openxmlformats.org/officeDocument/2006/relationships" xmlns:p="http://schemas.openxmlformats.org/presentationml/2006/main">
-  <p:cSld>
-    <p:spTree>
-      <p:nvGrpSpPr>
-        <p:cNvPr id="1" name=""/>
-        <p:cNvGrpSpPr/>
-        <p:nvPr/>
-      </p:nvGrpSpPr>
-      <p:grpSpPr>
-        <a:xfrm>
-          <a:off x="0" y="0"/>
-          <a:ext cx="0" cy="0"/>
-          <a:chOff x="0" y="0"/>
-          <a:chExt cx="0" cy="0"/>
-        </a:xfrm>
-      </p:grpSpPr>
-      <p:sp>
-        <p:nvSpPr>
-          <p:cNvPr id="86" name="TextShape 1"/>
-          <p:cNvSpPr txBox="1"/>
-          <p:nvPr/>
-        </p:nvSpPr>
-        <p:spPr>
-          <a:xfrm>
-            <a:off x="457200" y="274638"/>
-            <a:ext cx="8229600" cy="850900"/>
-          </a:xfrm>
-          <a:prstGeom prst="rect">
-            <a:avLst/>
-          </a:prstGeom>
-          <a:noFill/>
-          <a:ln w="9360">
-            <a:noFill/>
-          </a:ln>
-        </p:spPr>
-        <p:txBody>
-          <a:bodyPr anchor="ctr"/>
-          <a:lstStyle/>
-          <a:p>
-            <a:pPr>
-              <a:defRPr/>
-            </a:pPr>
-            <a:r>
-              <a:rPr lang="lv-LV" sz="4000" b="1" spc="-1" dirty="0">
-                <a:solidFill>
-                  <a:srgbClr val="C00000"/>
-                </a:solidFill>
-                <a:uFill>
-                  <a:solidFill>
-                    <a:srgbClr val="FFFFFF"/>
-                  </a:solidFill>
-                </a:uFill>
-                <a:latin typeface="Calibri"/>
-              </a:rPr>
-              <a:t>Maturity is not about age</a:t>
-            </a:r>
-            <a:endParaRPr lang="en-US" spc="-1" dirty="0">
-              <a:solidFill>
-                <a:srgbClr val="000000"/>
-              </a:solidFill>
-              <a:uFill>
-                <a:solidFill>
-                  <a:srgbClr val="FFFFFF"/>
-                </a:solidFill>
-              </a:uFill>
-              <a:latin typeface="Calibri"/>
-            </a:endParaRPr>
-          </a:p>
-        </p:txBody>
-      </p:sp>
-      <p:sp>
-        <p:nvSpPr>
-          <p:cNvPr id="8" name="TextShape 2"/>
-          <p:cNvSpPr txBox="1"/>
-          <p:nvPr/>
-        </p:nvSpPr>
-        <p:spPr>
-          <a:xfrm>
-            <a:off x="457200" y="1524000"/>
-            <a:ext cx="8229600" cy="4495800"/>
-          </a:xfrm>
-          <a:prstGeom prst="rect">
-            <a:avLst/>
-          </a:prstGeom>
-          <a:noFill/>
-          <a:ln w="9360">
-            <a:noFill/>
-          </a:ln>
-        </p:spPr>
-        <p:txBody>
-          <a:bodyPr/>
-          <a:lstStyle/>
-          <a:p>
-            <a:pPr>
-              <a:spcBef>
-                <a:spcPts val="638"/>
-              </a:spcBef>
-              <a:buClr>
-                <a:srgbClr val="002060"/>
-              </a:buClr>
-            </a:pPr>
-            <a:r>
-              <a:rPr lang="en-US" altLang="lv-LV" sz="2800">
-                <a:solidFill>
-                  <a:srgbClr val="002060"/>
-                </a:solidFill>
-              </a:rPr>
-              <a:t>Mature  (</a:t>
-            </a:r>
-            <a:r>
-              <a:rPr lang="lv-LV" altLang="lv-LV" sz="2800">
-                <a:solidFill>
-                  <a:srgbClr val="0070C0"/>
-                </a:solidFill>
-              </a:rPr>
-              <a:t>Pieaudzis</a:t>
-            </a:r>
-            <a:r>
-              <a:rPr lang="en-US" altLang="lv-LV" sz="2800">
-                <a:solidFill>
-                  <a:srgbClr val="0070C0"/>
-                </a:solidFill>
-              </a:rPr>
-              <a:t>/</a:t>
-            </a:r>
-            <a:r>
-              <a:rPr lang="lv-LV" altLang="lv-LV" sz="2800">
-                <a:solidFill>
-                  <a:srgbClr val="0070C0"/>
-                </a:solidFill>
-              </a:rPr>
-              <a:t>Izkopts,</a:t>
-            </a:r>
-            <a:r>
-              <a:rPr lang="en-US" altLang="lv-LV" sz="2800">
-                <a:solidFill>
-                  <a:srgbClr val="0070C0"/>
-                </a:solidFill>
-              </a:rPr>
-              <a:t> </a:t>
-            </a:r>
-            <a:r>
-              <a:rPr lang="ru-RU" altLang="lv-LV" sz="2800">
-                <a:solidFill>
-                  <a:srgbClr val="0070C0"/>
-                </a:solidFill>
-              </a:rPr>
-              <a:t>Зрелый</a:t>
-            </a:r>
-            <a:r>
-              <a:rPr lang="en-US" altLang="lv-LV" sz="2800">
-                <a:solidFill>
-                  <a:srgbClr val="0070C0"/>
-                </a:solidFill>
-              </a:rPr>
-              <a:t>/</a:t>
-            </a:r>
-            <a:r>
-              <a:rPr lang="ru-RU" altLang="lv-LV" sz="2800">
-                <a:solidFill>
-                  <a:srgbClr val="0070C0"/>
-                </a:solidFill>
-              </a:rPr>
-              <a:t>Матёрый</a:t>
-            </a:r>
-            <a:r>
-              <a:rPr lang="lv-LV" altLang="lv-LV" sz="2800">
-                <a:solidFill>
-                  <a:srgbClr val="002060"/>
-                </a:solidFill>
-              </a:rPr>
-              <a:t>)</a:t>
-            </a:r>
-            <a:endParaRPr lang="en-US" altLang="lv-LV" sz="2800">
-              <a:solidFill>
-                <a:srgbClr val="002060"/>
-              </a:solidFill>
-            </a:endParaRPr>
-          </a:p>
-          <a:p>
-            <a:pPr>
-              <a:spcBef>
-                <a:spcPts val="638"/>
-              </a:spcBef>
-              <a:buClr>
-                <a:srgbClr val="002060"/>
-              </a:buClr>
-            </a:pPr>
-            <a:r>
-              <a:rPr lang="en-US" altLang="lv-LV" sz="2800">
-                <a:solidFill>
-                  <a:srgbClr val="002060"/>
-                </a:solidFill>
-              </a:rPr>
-              <a:t>A professional football team is more "mature" than an amateur team. </a:t>
-            </a:r>
-            <a:br>
-              <a:rPr lang="en-US" altLang="lv-LV" sz="2800">
-                <a:solidFill>
-                  <a:srgbClr val="002060"/>
-                </a:solidFill>
-              </a:rPr>
-            </a:br>
-            <a:r>
-              <a:rPr lang="en-US" altLang="lv-LV" sz="2800">
-                <a:solidFill>
-                  <a:srgbClr val="002060"/>
-                </a:solidFill>
-              </a:rPr>
-              <a:t>Professionals have self-perpetuating quality:</a:t>
-            </a:r>
-          </a:p>
-          <a:p>
-            <a:pPr>
-              <a:spcBef>
-                <a:spcPts val="638"/>
-              </a:spcBef>
-              <a:buClr>
-                <a:srgbClr val="002060"/>
-              </a:buClr>
-              <a:buFont typeface="Arial" panose="020B0604020202020204" pitchFamily="34" charset="0"/>
-              <a:buChar char="•"/>
-            </a:pPr>
-            <a:r>
-              <a:rPr lang="en-US" altLang="lv-LV" sz="2800">
-                <a:solidFill>
-                  <a:srgbClr val="002060"/>
-                </a:solidFill>
-              </a:rPr>
-              <a:t>They consistently play good football</a:t>
-            </a:r>
-          </a:p>
-          <a:p>
-            <a:pPr>
-              <a:spcBef>
-                <a:spcPts val="638"/>
-              </a:spcBef>
-              <a:buClr>
-                <a:srgbClr val="002060"/>
-              </a:buClr>
-              <a:buFont typeface="Arial" panose="020B0604020202020204" pitchFamily="34" charset="0"/>
-              <a:buChar char="•"/>
-            </a:pPr>
-            <a:r>
-              <a:rPr lang="en-US" altLang="lv-LV" sz="2800">
-                <a:solidFill>
-                  <a:srgbClr val="002060"/>
-                </a:solidFill>
-              </a:rPr>
-              <a:t>They develop new players like themselves</a:t>
-            </a:r>
-          </a:p>
-          <a:p>
-            <a:pPr>
-              <a:spcBef>
-                <a:spcPts val="638"/>
-              </a:spcBef>
-              <a:buClr>
-                <a:srgbClr val="002060"/>
-              </a:buClr>
-              <a:buFont typeface="Arial" panose="020B0604020202020204" pitchFamily="34" charset="0"/>
-              <a:buChar char="•"/>
-            </a:pPr>
-            <a:r>
-              <a:rPr lang="en-US" altLang="lv-LV" sz="2800">
-                <a:solidFill>
-                  <a:srgbClr val="002060"/>
-                </a:solidFill>
-              </a:rPr>
-              <a:t>They find ways to play even better</a:t>
-            </a:r>
-          </a:p>
-          <a:p>
-            <a:pPr>
-              <a:spcBef>
-                <a:spcPts val="638"/>
-              </a:spcBef>
-              <a:buClr>
-                <a:srgbClr val="002060"/>
-              </a:buClr>
-            </a:pPr>
-            <a:endParaRPr lang="en-US" altLang="lv-LV" sz="2800">
-              <a:solidFill>
-                <a:srgbClr val="002060"/>
-              </a:solidFill>
-            </a:endParaRPr>
-          </a:p>
-          <a:p>
-            <a:pPr>
-              <a:spcBef>
-                <a:spcPts val="638"/>
-              </a:spcBef>
-              <a:buClr>
-                <a:srgbClr val="002060"/>
-              </a:buClr>
-            </a:pPr>
-            <a:endParaRPr lang="en-US" altLang="lv-LV" sz="2800">
-              <a:solidFill>
-                <a:srgbClr val="002060"/>
-              </a:solidFill>
-            </a:endParaRPr>
-          </a:p>
-        </p:txBody>
-      </p:sp>
-    </p:spTree>
-  </p:cSld>
-  <p:clrMapOvr>
-    <a:masterClrMapping/>
-  </p:clrMapOvr>
-  <p:timing>
-    <p:tnLst>
-      <p:par>
-        <p:cTn id="1" dur="indefinite" restart="never" nodeType="tmRoot">
-          <p:childTnLst>
-            <p:seq>
-              <p:cTn id="2" nodeType="mainSeq"/>
-              <p:prevCondLst>
-                <p:cond evt="onPrev" delay="0">
-                  <p:tgtEl>
-                    <p:sldTgt/>
-                  </p:tgtEl>
-                </p:cond>
-              </p:prevCondLst>
-              <p:nextCondLst>
-                <p:cond evt="onNext" delay="0">
-                  <p:tgtEl>
-                    <p:sldTgt/>
-                  </p:tgtEl>
-                </p:cond>
-              </p:nextCondLst>
-            </p:seq>
-          </p:childTnLst>
-        </p:cTn>
-      </p:par>
-    </p:tnLst>
-  </p:timing>
-</p:sld>
-</file>
-
-<file path=ppt/slides/slide9.xml><?xml version="1.0" encoding="utf-8"?>
-<p:sld xmlns:a="http://schemas.openxmlformats.org/drawingml/2006/main" xmlns:r="http://schemas.openxmlformats.org/officeDocument/2006/relationships" xmlns:p="http://schemas.openxmlformats.org/presentationml/2006/main">
-  <p:cSld>
-    <p:spTree>
-      <p:nvGrpSpPr>
-        <p:cNvPr id="1" name=""/>
-        <p:cNvGrpSpPr/>
-        <p:nvPr/>
-      </p:nvGrpSpPr>
-      <p:grpSpPr>
-        <a:xfrm>
-          <a:off x="0" y="0"/>
-          <a:ext cx="0" cy="0"/>
-          <a:chOff x="0" y="0"/>
-          <a:chExt cx="0" cy="0"/>
-        </a:xfrm>
-      </p:grpSpPr>
-      <p:sp>
-        <p:nvSpPr>
-          <p:cNvPr id="86" name="TextShape 1"/>
-          <p:cNvSpPr txBox="1"/>
-          <p:nvPr/>
-        </p:nvSpPr>
-        <p:spPr>
-          <a:xfrm>
-            <a:off x="457200" y="274638"/>
-            <a:ext cx="8229600" cy="1143000"/>
-          </a:xfrm>
-          <a:prstGeom prst="rect">
-            <a:avLst/>
-          </a:prstGeom>
-          <a:noFill/>
-          <a:ln w="9360">
-            <a:noFill/>
-          </a:ln>
-        </p:spPr>
-        <p:txBody>
-          <a:bodyPr anchor="ctr"/>
-          <a:lstStyle/>
-          <a:p>
-            <a:pPr>
-              <a:defRPr/>
-            </a:pPr>
-            <a:r>
-              <a:rPr lang="lv-LV" sz="4000" b="1" spc="-1" dirty="0">
-                <a:solidFill>
-                  <a:srgbClr val="C00000"/>
-                </a:solidFill>
-                <a:uFill>
-                  <a:solidFill>
-                    <a:srgbClr val="FFFFFF"/>
-                  </a:solidFill>
-                </a:uFill>
-                <a:latin typeface="Calibri"/>
-              </a:rPr>
-              <a:t>CMM Levels (Carnegie Mellon Univ.)</a:t>
-            </a:r>
-            <a:endParaRPr lang="en-US" spc="-1" dirty="0">
-              <a:solidFill>
-                <a:srgbClr val="000000"/>
-              </a:solidFill>
-              <a:uFill>
-                <a:solidFill>
-                  <a:srgbClr val="FFFFFF"/>
-                </a:solidFill>
-              </a:uFill>
-              <a:latin typeface="Calibri"/>
-            </a:endParaRPr>
-          </a:p>
-        </p:txBody>
-      </p:sp>
-      <p:sp>
-        <p:nvSpPr>
-          <p:cNvPr id="87" name="TextShape 2"/>
-          <p:cNvSpPr txBox="1"/>
-          <p:nvPr/>
-        </p:nvSpPr>
-        <p:spPr>
-          <a:xfrm>
-            <a:off x="457200" y="1524000"/>
-            <a:ext cx="8229600" cy="4495800"/>
-          </a:xfrm>
-          <a:prstGeom prst="rect">
-            <a:avLst/>
-          </a:prstGeom>
-          <a:noFill/>
-          <a:ln w="9360">
-            <a:noFill/>
-          </a:ln>
-        </p:spPr>
-        <p:txBody>
-          <a:bodyPr/>
-          <a:lstStyle/>
-          <a:p>
-            <a:pPr marL="457560" lvl="1">
-              <a:spcBef>
-                <a:spcPts val="561"/>
-              </a:spcBef>
-              <a:buClr>
-                <a:srgbClr val="002060"/>
-              </a:buClr>
-              <a:defRPr/>
-            </a:pPr>
-            <a:endParaRPr lang="en-US" sz="2400" spc="-1" dirty="0">
-              <a:solidFill>
-                <a:srgbClr val="002060"/>
-              </a:solidFill>
-              <a:uFill>
-                <a:solidFill>
-                  <a:srgbClr val="FFFFFF"/>
-                </a:solidFill>
-              </a:uFill>
-            </a:endParaRPr>
-          </a:p>
-        </p:txBody>
-      </p:sp>
-      <p:pic>
-        <p:nvPicPr>
-          <p:cNvPr id="15364" name="Picture 1"/>
-          <p:cNvPicPr>
-            <a:picLocks noChangeAspect="1"/>
-          </p:cNvPicPr>
-          <p:nvPr/>
-        </p:nvPicPr>
-        <p:blipFill>
-          <a:blip r:embed="rId2">
-            <a:extLst>
-              <a:ext uri="{28A0092B-C50C-407E-A947-70E740481C1C}">
-                <a14:useLocalDpi xmlns:a14="http://schemas.microsoft.com/office/drawing/2010/main" val="0"/>
-              </a:ext>
-            </a:extLst>
-          </a:blip>
-          <a:srcRect/>
-          <a:stretch>
-            <a:fillRect/>
-          </a:stretch>
-        </p:blipFill>
-        <p:spPr bwMode="auto">
-          <a:xfrm>
-            <a:off x="877888" y="1268413"/>
-            <a:ext cx="7366000" cy="5273675"/>
-          </a:xfrm>
-          <a:prstGeom prst="rect">
-            <a:avLst/>
-          </a:prstGeom>
-          <a:noFill/>
-          <a:ln>
-            <a:noFill/>
-          </a:ln>
-          <a:extLst>
-            <a:ext uri="{909E8E84-426E-40DD-AFC4-6F175D3DCCD1}">
-              <a14:hiddenFill xmlns:a14="http://schemas.microsoft.com/office/drawing/2010/main">
-                <a:solidFill>
-                  <a:srgbClr val="FFFFFF"/>
-                </a:solidFill>
-              </a14:hiddenFill>
-            </a:ext>
-            <a:ext uri="{91240B29-F687-4F45-9708-019B960494DF}">
-              <a14:hiddenLine xmlns:a14="http://schemas.microsoft.com/office/drawing/2010/main" w="9525">
-                <a:solidFill>
-                  <a:srgbClr val="000000"/>
-                </a:solidFill>
-                <a:miter lim="800000"/>
-                <a:headEnd/>
-                <a:tailEnd/>
-              </a14:hiddenLine>
-            </a:ext>
-          </a:extLst>
-        </p:spPr>
-      </p:pic>
     </p:spTree>
   </p:cSld>
   <p:clrMapOvr>
